--- a/slides/HTML&CSS lekce 6_ru.pptx
+++ b/slides/HTML&CSS lekce 6_ru.pptx
@@ -263,7 +263,7 @@
       </p15:sldGuideLst>
     </p:ext>
     <p:ext uri="GoogleSlidesCustomDataVersion2">
-      <go:slidesCustomData xmlns:go="http://customooxmlschemas.google.com/" r:id="rId13" roundtripDataSignature="AMtx7miFXGTnAmCXTNLB2PhtqnSRhioZUA=="/>
+      <go:slidesCustomData xmlns:go="http://customooxmlschemas.google.com/" r:id="rId13" roundtripDataSignature="AMtx7mjVL7tLIvcKmRyI8AoNHt8NJbRoSQ=="/>
     </p:ext>
   </p:extLst>
 </p:presentation>
@@ -9350,7 +9350,7 @@
           <a:effectLst>
             <a:outerShdw blurRad="57150" rotWithShape="0" algn="bl" dir="5400000" dist="19050">
               <a:srgbClr val="000000">
-                <a:alpha val="10588"/>
+                <a:alpha val="10196"/>
               </a:srgbClr>
             </a:outerShdw>
           </a:effectLst>
@@ -9712,98 +9712,154 @@
           </a:bodyPr>
           <a:lstStyle/>
           <a:p>
-            <a:pPr indent="0" lvl="0" marL="0" rtl="0" algn="l">
-              <a:spcBef>
-                <a:spcPts val="0"/>
-              </a:spcBef>
-              <a:spcAft>
-                <a:spcPts val="0"/>
-              </a:spcAft>
+            <a:pPr indent="0" lvl="0" marL="0" marR="0" rtl="0" algn="l">
+              <a:lnSpc>
+                <a:spcPct val="100000"/>
+              </a:lnSpc>
+              <a:spcBef>
+                <a:spcPts val="0"/>
+              </a:spcBef>
+              <a:spcAft>
+                <a:spcPts val="0"/>
+              </a:spcAft>
+              <a:buClr>
+                <a:srgbClr val="000000"/>
+              </a:buClr>
+              <a:buSzPts val="1600"/>
+              <a:buFont typeface="Arial"/>
               <a:buNone/>
             </a:pPr>
             <a:r>
-              <a:rPr b="1" lang="cs" sz="1600">
+              <a:rPr b="1" i="0" lang="cs" sz="1600" u="none" cap="none" strike="noStrike">
                 <a:solidFill>
                   <a:srgbClr val="188038"/>
                 </a:solidFill>
+                <a:latin typeface="Arial"/>
+                <a:ea typeface="Arial"/>
+                <a:cs typeface="Arial"/>
+                <a:sym typeface="Arial"/>
               </a:rPr>
               <a:t>&lt;form&gt;</a:t>
             </a:r>
             <a:r>
-              <a:rPr lang="cs" sz="1600">
+              <a:rPr b="0" i="0" lang="cs" sz="1600" u="none" cap="none" strike="noStrike">
                 <a:solidFill>
                   <a:srgbClr val="2B3990"/>
                 </a:solidFill>
+                <a:latin typeface="Arial"/>
+                <a:ea typeface="Arial"/>
+                <a:cs typeface="Arial"/>
+                <a:sym typeface="Arial"/>
               </a:rPr>
               <a:t> — это </a:t>
             </a:r>
             <a:r>
-              <a:rPr b="1" lang="cs" sz="1600">
+              <a:rPr b="1" i="0" lang="cs" sz="1600" u="none" cap="none" strike="noStrike">
                 <a:solidFill>
                   <a:srgbClr val="2B3990"/>
                 </a:solidFill>
+                <a:latin typeface="Arial"/>
+                <a:ea typeface="Arial"/>
+                <a:cs typeface="Arial"/>
+                <a:sym typeface="Arial"/>
               </a:rPr>
               <a:t>HTML-элемент для создания формы</a:t>
             </a:r>
             <a:r>
-              <a:rPr lang="cs" sz="1600">
+              <a:rPr b="0" i="0" lang="cs" sz="1600" u="none" cap="none" strike="noStrike">
                 <a:solidFill>
                   <a:srgbClr val="2B3990"/>
                 </a:solidFill>
+                <a:latin typeface="Arial"/>
+                <a:ea typeface="Arial"/>
+                <a:cs typeface="Arial"/>
+                <a:sym typeface="Arial"/>
               </a:rPr>
               <a:t> на веб-странице.</a:t>
             </a:r>
-            <a:endParaRPr sz="1600">
+            <a:endParaRPr b="0" i="0" sz="1600" u="none" cap="none" strike="noStrike">
               <a:solidFill>
                 <a:srgbClr val="2B3990"/>
               </a:solidFill>
+              <a:latin typeface="Arial"/>
+              <a:ea typeface="Arial"/>
+              <a:cs typeface="Arial"/>
+              <a:sym typeface="Arial"/>
             </a:endParaRPr>
           </a:p>
           <a:p>
-            <a:pPr indent="0" lvl="0" marL="0" rtl="0" algn="l">
-              <a:spcBef>
-                <a:spcPts val="0"/>
-              </a:spcBef>
-              <a:spcAft>
-                <a:spcPts val="0"/>
-              </a:spcAft>
+            <a:pPr indent="0" lvl="0" marL="0" marR="0" rtl="0" algn="l">
+              <a:lnSpc>
+                <a:spcPct val="100000"/>
+              </a:lnSpc>
+              <a:spcBef>
+                <a:spcPts val="0"/>
+              </a:spcBef>
+              <a:spcAft>
+                <a:spcPts val="0"/>
+              </a:spcAft>
+              <a:buClr>
+                <a:srgbClr val="000000"/>
+              </a:buClr>
+              <a:buSzPts val="1600"/>
+              <a:buFont typeface="Arial"/>
               <a:buNone/>
             </a:pPr>
             <a:r>
-              <a:rPr lang="cs" sz="1600">
+              <a:rPr b="0" i="0" lang="cs" sz="1600" u="none" cap="none" strike="noStrike">
                 <a:solidFill>
                   <a:srgbClr val="2B3990"/>
                 </a:solidFill>
+                <a:latin typeface="Arial"/>
+                <a:ea typeface="Arial"/>
+                <a:cs typeface="Arial"/>
+                <a:sym typeface="Arial"/>
               </a:rPr>
               <a:t>Через форму пользователь может ввести данные (текст, пароль, выбрать из списка, поставить галочку и т. д.) и отправить их на сервер или обработать с помощью JavaScript.</a:t>
             </a:r>
-            <a:endParaRPr sz="1600">
+            <a:endParaRPr b="0" i="0" sz="1600" u="none" cap="none" strike="noStrike">
               <a:solidFill>
                 <a:srgbClr val="2B3990"/>
               </a:solidFill>
+              <a:latin typeface="Arial"/>
+              <a:ea typeface="Arial"/>
+              <a:cs typeface="Arial"/>
+              <a:sym typeface="Arial"/>
             </a:endParaRPr>
           </a:p>
           <a:p>
-            <a:pPr indent="0" lvl="0" marL="0" rtl="0" algn="l">
-              <a:spcBef>
-                <a:spcPts val="0"/>
-              </a:spcBef>
-              <a:spcAft>
-                <a:spcPts val="0"/>
-              </a:spcAft>
+            <a:pPr indent="0" lvl="0" marL="0" marR="0" rtl="0" algn="l">
+              <a:lnSpc>
+                <a:spcPct val="100000"/>
+              </a:lnSpc>
+              <a:spcBef>
+                <a:spcPts val="0"/>
+              </a:spcBef>
+              <a:spcAft>
+                <a:spcPts val="0"/>
+              </a:spcAft>
+              <a:buClr>
+                <a:srgbClr val="000000"/>
+              </a:buClr>
+              <a:buSzPts val="1600"/>
+              <a:buFont typeface="Arial"/>
               <a:buNone/>
             </a:pPr>
             <a:r>
               <a:t/>
             </a:r>
-            <a:endParaRPr sz="1600">
+            <a:endParaRPr b="0" i="0" sz="1600" u="none" cap="none" strike="noStrike">
               <a:solidFill>
                 <a:srgbClr val="2B3990"/>
               </a:solidFill>
+              <a:latin typeface="Arial"/>
+              <a:ea typeface="Arial"/>
+              <a:cs typeface="Arial"/>
+              <a:sym typeface="Arial"/>
             </a:endParaRPr>
           </a:p>
           <a:p>
-            <a:pPr indent="0" lvl="0" marL="0" rtl="0" algn="l">
+            <a:pPr indent="0" lvl="0" marL="0" marR="0" rtl="0" algn="l">
               <a:lnSpc>
                 <a:spcPct val="135714"/>
               </a:lnSpc>
@@ -9821,29 +9877,41 @@
               <a:buNone/>
             </a:pPr>
             <a:r>
-              <a:rPr lang="cs" sz="1600">
+              <a:rPr b="0" i="0" lang="cs" sz="1600" u="none" cap="none" strike="noStrike">
                 <a:solidFill>
                   <a:srgbClr val="188038"/>
                 </a:solidFill>
+                <a:latin typeface="Arial"/>
+                <a:ea typeface="Arial"/>
+                <a:cs typeface="Arial"/>
+                <a:sym typeface="Arial"/>
               </a:rPr>
               <a:t> </a:t>
             </a:r>
             <a:r>
-              <a:rPr b="1" lang="cs" sz="1600">
+              <a:rPr b="1" i="0" lang="cs" sz="1600" u="none" cap="none" strike="noStrike">
                 <a:solidFill>
                   <a:srgbClr val="188038"/>
                 </a:solidFill>
+                <a:latin typeface="Arial"/>
+                <a:ea typeface="Arial"/>
+                <a:cs typeface="Arial"/>
+                <a:sym typeface="Arial"/>
               </a:rPr>
               <a:t>&lt;form&gt;</a:t>
             </a:r>
-            <a:endParaRPr b="1" sz="1600">
+            <a:endParaRPr b="1" i="0" sz="1600" u="none" cap="none" strike="noStrike">
               <a:solidFill>
                 <a:srgbClr val="188038"/>
               </a:solidFill>
+              <a:latin typeface="Arial"/>
+              <a:ea typeface="Arial"/>
+              <a:cs typeface="Arial"/>
+              <a:sym typeface="Arial"/>
             </a:endParaRPr>
           </a:p>
           <a:p>
-            <a:pPr indent="0" lvl="0" marL="0" rtl="0" algn="l">
+            <a:pPr indent="0" lvl="0" marL="0" marR="0" rtl="0" algn="l">
               <a:lnSpc>
                 <a:spcPct val="135714"/>
               </a:lnSpc>
@@ -9861,37 +9929,53 @@
               <a:buNone/>
             </a:pPr>
             <a:r>
-              <a:rPr b="1" lang="cs" sz="1600">
+              <a:rPr b="1" i="0" lang="cs" sz="1600" u="none" cap="none" strike="noStrike">
                 <a:solidFill>
                   <a:srgbClr val="188038"/>
                 </a:solidFill>
+                <a:latin typeface="Arial"/>
+                <a:ea typeface="Arial"/>
+                <a:cs typeface="Arial"/>
+                <a:sym typeface="Arial"/>
               </a:rPr>
               <a:t>        &lt;h2&gt;</a:t>
             </a:r>
             <a:r>
-              <a:rPr b="1" lang="cs" sz="1600">
+              <a:rPr b="1" i="0" lang="cs" sz="1600" u="none" cap="none" strike="noStrike">
                 <a:solidFill>
                   <a:srgbClr val="2B3990"/>
                 </a:solidFill>
+                <a:latin typeface="Arial"/>
+                <a:ea typeface="Arial"/>
+                <a:cs typeface="Arial"/>
+                <a:sym typeface="Arial"/>
               </a:rPr>
               <a:t>Контактуйте нас</a:t>
             </a:r>
             <a:r>
-              <a:rPr b="1" lang="cs" sz="1600">
+              <a:rPr b="1" i="0" lang="cs" sz="1600" u="none" cap="none" strike="noStrike">
                 <a:solidFill>
                   <a:srgbClr val="188038"/>
                 </a:solidFill>
+                <a:latin typeface="Arial"/>
+                <a:ea typeface="Arial"/>
+                <a:cs typeface="Arial"/>
+                <a:sym typeface="Arial"/>
               </a:rPr>
               <a:t>&lt;/h2&gt;</a:t>
             </a:r>
-            <a:endParaRPr b="1" sz="1600">
+            <a:endParaRPr b="1" i="0" sz="1600" u="none" cap="none" strike="noStrike">
               <a:solidFill>
                 <a:srgbClr val="188038"/>
               </a:solidFill>
+              <a:latin typeface="Arial"/>
+              <a:ea typeface="Arial"/>
+              <a:cs typeface="Arial"/>
+              <a:sym typeface="Arial"/>
             </a:endParaRPr>
           </a:p>
           <a:p>
-            <a:pPr indent="0" lvl="0" marL="0" rtl="0" algn="l">
+            <a:pPr indent="0" lvl="0" marL="0" marR="0" rtl="0" algn="l">
               <a:lnSpc>
                 <a:spcPct val="135714"/>
               </a:lnSpc>
@@ -9909,37 +9993,53 @@
               <a:buNone/>
             </a:pPr>
             <a:r>
-              <a:rPr b="1" lang="cs" sz="1600">
+              <a:rPr b="1" i="0" lang="cs" sz="1600" u="none" cap="none" strike="noStrike">
                 <a:solidFill>
                   <a:srgbClr val="188038"/>
                 </a:solidFill>
+                <a:latin typeface="Arial"/>
+                <a:ea typeface="Arial"/>
+                <a:cs typeface="Arial"/>
+                <a:sym typeface="Arial"/>
               </a:rPr>
               <a:t>        &lt;label for="name"&gt;</a:t>
             </a:r>
             <a:r>
-              <a:rPr b="1" lang="cs" sz="1600">
+              <a:rPr b="1" i="0" lang="cs" sz="1600" u="none" cap="none" strike="noStrike">
                 <a:solidFill>
                   <a:srgbClr val="2B3990"/>
                 </a:solidFill>
+                <a:latin typeface="Arial"/>
+                <a:ea typeface="Arial"/>
+                <a:cs typeface="Arial"/>
+                <a:sym typeface="Arial"/>
               </a:rPr>
               <a:t>Имя</a:t>
             </a:r>
             <a:r>
-              <a:rPr b="1" lang="cs" sz="1600">
+              <a:rPr b="1" i="0" lang="cs" sz="1600" u="none" cap="none" strike="noStrike">
                 <a:solidFill>
                   <a:srgbClr val="188038"/>
                 </a:solidFill>
+                <a:latin typeface="Arial"/>
+                <a:ea typeface="Arial"/>
+                <a:cs typeface="Arial"/>
+                <a:sym typeface="Arial"/>
               </a:rPr>
               <a:t>&lt;/label&gt;</a:t>
             </a:r>
-            <a:endParaRPr b="1" sz="1600">
+            <a:endParaRPr b="1" i="0" sz="1600" u="none" cap="none" strike="noStrike">
               <a:solidFill>
                 <a:srgbClr val="188038"/>
               </a:solidFill>
+              <a:latin typeface="Arial"/>
+              <a:ea typeface="Arial"/>
+              <a:cs typeface="Arial"/>
+              <a:sym typeface="Arial"/>
             </a:endParaRPr>
           </a:p>
           <a:p>
-            <a:pPr indent="0" lvl="0" marL="0" rtl="0" algn="l">
+            <a:pPr indent="0" lvl="0" marL="0" marR="0" rtl="0" algn="l">
               <a:lnSpc>
                 <a:spcPct val="135714"/>
               </a:lnSpc>
@@ -9957,21 +10057,29 @@
               <a:buNone/>
             </a:pPr>
             <a:r>
-              <a:rPr b="1" lang="cs" sz="1600">
+              <a:rPr b="1" i="0" lang="cs" sz="1600" u="none" cap="none" strike="noStrike">
                 <a:solidFill>
                   <a:srgbClr val="188038"/>
                 </a:solidFill>
+                <a:latin typeface="Arial"/>
+                <a:ea typeface="Arial"/>
+                <a:cs typeface="Arial"/>
+                <a:sym typeface="Arial"/>
               </a:rPr>
               <a:t>        &lt;input type="text" id="name" name="name" required&gt;</a:t>
             </a:r>
-            <a:endParaRPr b="1" sz="1600">
+            <a:endParaRPr b="1" i="0" sz="1600" u="none" cap="none" strike="noStrike">
               <a:solidFill>
                 <a:srgbClr val="188038"/>
               </a:solidFill>
+              <a:latin typeface="Arial"/>
+              <a:ea typeface="Arial"/>
+              <a:cs typeface="Arial"/>
+              <a:sym typeface="Arial"/>
             </a:endParaRPr>
           </a:p>
           <a:p>
-            <a:pPr indent="0" lvl="0" marL="0" rtl="0" algn="l">
+            <a:pPr indent="0" lvl="0" marL="0" marR="0" rtl="0" algn="l">
               <a:lnSpc>
                 <a:spcPct val="135714"/>
               </a:lnSpc>
@@ -9989,21 +10097,29 @@
               <a:buNone/>
             </a:pPr>
             <a:r>
-              <a:rPr b="1" lang="cs" sz="1600">
+              <a:rPr b="1" i="0" lang="cs" sz="1600" u="none" cap="none" strike="noStrike">
                 <a:solidFill>
                   <a:srgbClr val="188038"/>
                 </a:solidFill>
+                <a:latin typeface="Arial"/>
+                <a:ea typeface="Arial"/>
+                <a:cs typeface="Arial"/>
+                <a:sym typeface="Arial"/>
               </a:rPr>
               <a:t>        &lt;label class="checkbox-label"&gt;</a:t>
             </a:r>
-            <a:endParaRPr b="1" sz="1600">
+            <a:endParaRPr b="1" i="0" sz="1600" u="none" cap="none" strike="noStrike">
               <a:solidFill>
                 <a:srgbClr val="188038"/>
               </a:solidFill>
+              <a:latin typeface="Arial"/>
+              <a:ea typeface="Arial"/>
+              <a:cs typeface="Arial"/>
+              <a:sym typeface="Arial"/>
             </a:endParaRPr>
           </a:p>
           <a:p>
-            <a:pPr indent="0" lvl="0" marL="0" rtl="0" algn="l">
+            <a:pPr indent="0" lvl="0" marL="0" marR="0" rtl="0" algn="l">
               <a:lnSpc>
                 <a:spcPct val="135714"/>
               </a:lnSpc>
@@ -10021,21 +10137,29 @@
               <a:buNone/>
             </a:pPr>
             <a:r>
-              <a:rPr b="1" lang="cs" sz="1600">
+              <a:rPr b="1" i="0" lang="cs" sz="1600" u="none" cap="none" strike="noStrike">
                 <a:solidFill>
                   <a:srgbClr val="188038"/>
                 </a:solidFill>
+                <a:latin typeface="Arial"/>
+                <a:ea typeface="Arial"/>
+                <a:cs typeface="Arial"/>
+                <a:sym typeface="Arial"/>
               </a:rPr>
               <a:t>        &lt;input type="checkbox" name="agree" required&gt;</a:t>
             </a:r>
-            <a:endParaRPr b="1" sz="1600">
+            <a:endParaRPr b="1" i="0" sz="1600" u="none" cap="none" strike="noStrike">
               <a:solidFill>
                 <a:srgbClr val="188038"/>
               </a:solidFill>
+              <a:latin typeface="Arial"/>
+              <a:ea typeface="Arial"/>
+              <a:cs typeface="Arial"/>
+              <a:sym typeface="Arial"/>
             </a:endParaRPr>
           </a:p>
           <a:p>
-            <a:pPr indent="0" lvl="0" marL="0" rtl="0" algn="l">
+            <a:pPr indent="0" lvl="0" marL="0" marR="0" rtl="0" algn="l">
               <a:lnSpc>
                 <a:spcPct val="135714"/>
               </a:lnSpc>
@@ -10053,29 +10177,41 @@
               <a:buNone/>
             </a:pPr>
             <a:r>
-              <a:rPr b="1" lang="cs" sz="1600">
+              <a:rPr b="1" i="0" lang="cs" sz="1600" u="none" cap="none" strike="noStrike">
                 <a:solidFill>
                   <a:srgbClr val="188038"/>
                 </a:solidFill>
+                <a:latin typeface="Arial"/>
+                <a:ea typeface="Arial"/>
+                <a:cs typeface="Arial"/>
+                <a:sym typeface="Arial"/>
               </a:rPr>
               <a:t>            </a:t>
             </a:r>
             <a:r>
-              <a:rPr b="1" lang="cs" sz="1600">
+              <a:rPr b="1" i="0" lang="cs" sz="1600" u="none" cap="none" strike="noStrike">
                 <a:solidFill>
                   <a:srgbClr val="2B3990"/>
                 </a:solidFill>
+                <a:latin typeface="Arial"/>
+                <a:ea typeface="Arial"/>
+                <a:cs typeface="Arial"/>
+                <a:sym typeface="Arial"/>
               </a:rPr>
               <a:t>Согласен с обработкой персональных данных</a:t>
             </a:r>
-            <a:endParaRPr b="1" sz="1600">
+            <a:endParaRPr b="1" i="0" sz="1600" u="none" cap="none" strike="noStrike">
               <a:solidFill>
                 <a:srgbClr val="2B3990"/>
               </a:solidFill>
+              <a:latin typeface="Arial"/>
+              <a:ea typeface="Arial"/>
+              <a:cs typeface="Arial"/>
+              <a:sym typeface="Arial"/>
             </a:endParaRPr>
           </a:p>
           <a:p>
-            <a:pPr indent="0" lvl="0" marL="0" rtl="0" algn="l">
+            <a:pPr indent="0" lvl="0" marL="0" marR="0" rtl="0" algn="l">
               <a:lnSpc>
                 <a:spcPct val="135714"/>
               </a:lnSpc>
@@ -10093,21 +10229,29 @@
               <a:buNone/>
             </a:pPr>
             <a:r>
-              <a:rPr b="1" lang="cs" sz="1600">
+              <a:rPr b="1" i="0" lang="cs" sz="1600" u="none" cap="none" strike="noStrike">
                 <a:solidFill>
                   <a:srgbClr val="188038"/>
                 </a:solidFill>
+                <a:latin typeface="Arial"/>
+                <a:ea typeface="Arial"/>
+                <a:cs typeface="Arial"/>
+                <a:sym typeface="Arial"/>
               </a:rPr>
               <a:t>        &lt;/label&gt;</a:t>
             </a:r>
-            <a:endParaRPr b="1" sz="1600">
+            <a:endParaRPr b="1" i="0" sz="1600" u="none" cap="none" strike="noStrike">
               <a:solidFill>
                 <a:srgbClr val="188038"/>
               </a:solidFill>
+              <a:latin typeface="Arial"/>
+              <a:ea typeface="Arial"/>
+              <a:cs typeface="Arial"/>
+              <a:sym typeface="Arial"/>
             </a:endParaRPr>
           </a:p>
           <a:p>
-            <a:pPr indent="0" lvl="0" marL="0" rtl="0" algn="l">
+            <a:pPr indent="0" lvl="0" marL="0" marR="0" rtl="0" algn="l">
               <a:lnSpc>
                 <a:spcPct val="135714"/>
               </a:lnSpc>
@@ -10125,37 +10269,53 @@
               <a:buNone/>
             </a:pPr>
             <a:r>
-              <a:rPr b="1" lang="cs" sz="1600">
+              <a:rPr b="1" i="0" lang="cs" sz="1600" u="none" cap="none" strike="noStrike">
                 <a:solidFill>
                   <a:srgbClr val="188038"/>
                 </a:solidFill>
+                <a:latin typeface="Arial"/>
+                <a:ea typeface="Arial"/>
+                <a:cs typeface="Arial"/>
+                <a:sym typeface="Arial"/>
               </a:rPr>
               <a:t>        &lt;button type="submit"&gt;</a:t>
             </a:r>
             <a:r>
-              <a:rPr b="1" lang="cs" sz="1600">
+              <a:rPr b="1" i="0" lang="cs" sz="1600" u="none" cap="none" strike="noStrike">
                 <a:solidFill>
                   <a:srgbClr val="2B3990"/>
                 </a:solidFill>
+                <a:latin typeface="Arial"/>
+                <a:ea typeface="Arial"/>
+                <a:cs typeface="Arial"/>
+                <a:sym typeface="Arial"/>
               </a:rPr>
               <a:t>Отправить</a:t>
             </a:r>
             <a:r>
-              <a:rPr b="1" lang="cs" sz="1600">
+              <a:rPr b="1" i="0" lang="cs" sz="1600" u="none" cap="none" strike="noStrike">
                 <a:solidFill>
                   <a:srgbClr val="188038"/>
                 </a:solidFill>
+                <a:latin typeface="Arial"/>
+                <a:ea typeface="Arial"/>
+                <a:cs typeface="Arial"/>
+                <a:sym typeface="Arial"/>
               </a:rPr>
               <a:t>&lt;/button&gt;</a:t>
             </a:r>
-            <a:endParaRPr b="1" sz="1600">
+            <a:endParaRPr b="1" i="0" sz="1600" u="none" cap="none" strike="noStrike">
               <a:solidFill>
                 <a:srgbClr val="188038"/>
               </a:solidFill>
+              <a:latin typeface="Arial"/>
+              <a:ea typeface="Arial"/>
+              <a:cs typeface="Arial"/>
+              <a:sym typeface="Arial"/>
             </a:endParaRPr>
           </a:p>
           <a:p>
-            <a:pPr indent="0" lvl="0" marL="0" rtl="0" algn="l">
+            <a:pPr indent="0" lvl="0" marL="0" marR="0" rtl="0" algn="l">
               <a:lnSpc>
                 <a:spcPct val="135714"/>
               </a:lnSpc>
@@ -10165,24 +10325,37 @@
               <a:spcAft>
                 <a:spcPts val="0"/>
               </a:spcAft>
+              <a:buClr>
+                <a:srgbClr val="000000"/>
+              </a:buClr>
+              <a:buSzPts val="1600"/>
+              <a:buFont typeface="Arial"/>
               <a:buNone/>
             </a:pPr>
             <a:r>
-              <a:rPr b="1" lang="cs" sz="1600">
+              <a:rPr b="1" i="0" lang="cs" sz="1600" u="none" cap="none" strike="noStrike">
                 <a:solidFill>
                   <a:srgbClr val="188038"/>
                 </a:solidFill>
+                <a:latin typeface="Arial"/>
+                <a:ea typeface="Arial"/>
+                <a:cs typeface="Arial"/>
+                <a:sym typeface="Arial"/>
               </a:rPr>
               <a:t>    &lt;/form&gt;</a:t>
             </a:r>
-            <a:endParaRPr b="1" sz="1600">
+            <a:endParaRPr b="1" i="0" sz="1600" u="none" cap="none" strike="noStrike">
               <a:solidFill>
                 <a:srgbClr val="188038"/>
               </a:solidFill>
+              <a:latin typeface="Arial"/>
+              <a:ea typeface="Arial"/>
+              <a:cs typeface="Arial"/>
+              <a:sym typeface="Arial"/>
             </a:endParaRPr>
           </a:p>
           <a:p>
-            <a:pPr indent="0" lvl="0" marL="0" rtl="0" algn="l">
+            <a:pPr indent="0" lvl="0" marL="0" marR="0" rtl="0" algn="l">
               <a:lnSpc>
                 <a:spcPct val="135714"/>
               </a:lnSpc>
@@ -10192,28 +10365,45 @@
               <a:spcAft>
                 <a:spcPts val="0"/>
               </a:spcAft>
+              <a:buClr>
+                <a:srgbClr val="000000"/>
+              </a:buClr>
+              <a:buSzPts val="1600"/>
+              <a:buFont typeface="Arial"/>
               <a:buNone/>
             </a:pPr>
             <a:r>
-              <a:rPr b="1" lang="cs" sz="1600">
+              <a:rPr b="1" i="0" lang="cs" sz="1600" u="none" cap="none" strike="noStrike">
                 <a:solidFill>
                   <a:srgbClr val="2B3990"/>
                 </a:solidFill>
+                <a:latin typeface="Arial"/>
+                <a:ea typeface="Arial"/>
+                <a:cs typeface="Arial"/>
+                <a:sym typeface="Arial"/>
               </a:rPr>
               <a:t>Два способа обёртки</a:t>
             </a:r>
             <a:r>
-              <a:rPr b="1" lang="cs" sz="1600">
+              <a:rPr b="1" i="0" lang="cs" sz="1600" u="none" cap="none" strike="noStrike">
                 <a:solidFill>
                   <a:srgbClr val="188038"/>
                 </a:solidFill>
+                <a:latin typeface="Arial"/>
+                <a:ea typeface="Arial"/>
+                <a:cs typeface="Arial"/>
+                <a:sym typeface="Arial"/>
               </a:rPr>
               <a:t> &lt;label&gt;</a:t>
             </a:r>
-            <a:endParaRPr b="1" sz="1600">
+            <a:endParaRPr b="1" i="0" sz="1600" u="none" cap="none" strike="noStrike">
               <a:solidFill>
                 <a:srgbClr val="188038"/>
               </a:solidFill>
+              <a:latin typeface="Arial"/>
+              <a:ea typeface="Arial"/>
+              <a:cs typeface="Arial"/>
+              <a:sym typeface="Arial"/>
             </a:endParaRPr>
           </a:p>
         </p:txBody>
@@ -10270,7 +10460,7 @@
         <p:spPr>
           <a:xfrm>
             <a:off x="191550" y="174975"/>
-            <a:ext cx="8662800" cy="3439200"/>
+            <a:ext cx="8662800" cy="4107600"/>
           </a:xfrm>
           <a:prstGeom prst="rect">
             <a:avLst/>
@@ -10286,7 +10476,7 @@
           </a:bodyPr>
           <a:lstStyle/>
           <a:p>
-            <a:pPr indent="0" lvl="0" marL="0" rtl="0" algn="l">
+            <a:pPr indent="0" lvl="0" marL="0" marR="0" rtl="0" algn="l">
               <a:lnSpc>
                 <a:spcPct val="135714"/>
               </a:lnSpc>
@@ -10296,20 +10486,453 @@
               <a:spcAft>
                 <a:spcPts val="0"/>
               </a:spcAft>
+              <a:buClr>
+                <a:srgbClr val="000000"/>
+              </a:buClr>
+              <a:buSzPts val="1600"/>
+              <a:buFont typeface="Arial"/>
               <a:buNone/>
             </a:pPr>
             <a:r>
-              <a:rPr b="1" lang="cs" sz="1600">
+              <a:rPr b="1" i="0" lang="cs" sz="1600" u="none" cap="none" strike="noStrike">
                 <a:solidFill>
                   <a:srgbClr val="2B3990"/>
                 </a:solidFill>
+                <a:latin typeface="Arial"/>
+                <a:ea typeface="Arial"/>
+                <a:cs typeface="Arial"/>
+                <a:sym typeface="Arial"/>
               </a:rPr>
               <a:t>Типы поля ввода:</a:t>
             </a:r>
-            <a:endParaRPr b="1" sz="1600">
+            <a:endParaRPr b="1" i="0" sz="1600" u="none" cap="none" strike="noStrike">
               <a:solidFill>
                 <a:srgbClr val="2B3990"/>
               </a:solidFill>
+              <a:latin typeface="Arial"/>
+              <a:ea typeface="Arial"/>
+              <a:cs typeface="Arial"/>
+              <a:sym typeface="Arial"/>
+            </a:endParaRPr>
+          </a:p>
+          <a:p>
+            <a:pPr indent="0" lvl="0" marL="0" marR="0" rtl="0" algn="l">
+              <a:lnSpc>
+                <a:spcPct val="135714"/>
+              </a:lnSpc>
+              <a:spcBef>
+                <a:spcPts val="0"/>
+              </a:spcBef>
+              <a:spcAft>
+                <a:spcPts val="0"/>
+              </a:spcAft>
+              <a:buClr>
+                <a:srgbClr val="000000"/>
+              </a:buClr>
+              <a:buSzPts val="1600"/>
+              <a:buFont typeface="Arial"/>
+              <a:buNone/>
+            </a:pPr>
+            <a:r>
+              <a:rPr b="1" i="0" lang="cs" sz="1600" u="none" cap="none" strike="noStrike">
+                <a:solidFill>
+                  <a:srgbClr val="188038"/>
+                </a:solidFill>
+                <a:latin typeface="Arial"/>
+                <a:ea typeface="Arial"/>
+                <a:cs typeface="Arial"/>
+                <a:sym typeface="Arial"/>
+              </a:rPr>
+              <a:t> &lt;input type="password" placeholder="Пароль"&gt;</a:t>
+            </a:r>
+            <a:endParaRPr b="1" i="0" sz="1600" u="none" cap="none" strike="noStrike">
+              <a:solidFill>
+                <a:srgbClr val="188038"/>
+              </a:solidFill>
+              <a:latin typeface="Arial"/>
+              <a:ea typeface="Arial"/>
+              <a:cs typeface="Arial"/>
+              <a:sym typeface="Arial"/>
+            </a:endParaRPr>
+          </a:p>
+          <a:p>
+            <a:pPr indent="0" lvl="0" marL="0" marR="0" rtl="0" algn="l">
+              <a:lnSpc>
+                <a:spcPct val="135714"/>
+              </a:lnSpc>
+              <a:spcBef>
+                <a:spcPts val="0"/>
+              </a:spcBef>
+              <a:spcAft>
+                <a:spcPts val="0"/>
+              </a:spcAft>
+              <a:buClr>
+                <a:srgbClr val="000000"/>
+              </a:buClr>
+              <a:buSzPts val="1600"/>
+              <a:buFont typeface="Arial"/>
+              <a:buNone/>
+            </a:pPr>
+            <a:r>
+              <a:rPr b="1" i="0" lang="cs" sz="1600" u="none" cap="none" strike="noStrike">
+                <a:solidFill>
+                  <a:srgbClr val="188038"/>
+                </a:solidFill>
+                <a:latin typeface="Arial"/>
+                <a:ea typeface="Arial"/>
+                <a:cs typeface="Arial"/>
+                <a:sym typeface="Arial"/>
+              </a:rPr>
+              <a:t>  &lt;input type="email" placeholder="Email"&gt;</a:t>
+            </a:r>
+            <a:endParaRPr b="1" i="0" sz="1600" u="none" cap="none" strike="noStrike">
+              <a:solidFill>
+                <a:srgbClr val="188038"/>
+              </a:solidFill>
+              <a:latin typeface="Arial"/>
+              <a:ea typeface="Arial"/>
+              <a:cs typeface="Arial"/>
+              <a:sym typeface="Arial"/>
+            </a:endParaRPr>
+          </a:p>
+          <a:p>
+            <a:pPr indent="0" lvl="0" marL="0" marR="0" rtl="0" algn="l">
+              <a:lnSpc>
+                <a:spcPct val="135714"/>
+              </a:lnSpc>
+              <a:spcBef>
+                <a:spcPts val="0"/>
+              </a:spcBef>
+              <a:spcAft>
+                <a:spcPts val="0"/>
+              </a:spcAft>
+              <a:buClr>
+                <a:srgbClr val="000000"/>
+              </a:buClr>
+              <a:buSzPts val="1600"/>
+              <a:buFont typeface="Arial"/>
+              <a:buNone/>
+            </a:pPr>
+            <a:r>
+              <a:rPr b="1" i="0" lang="cs" sz="1600" u="none" cap="none" strike="noStrike">
+                <a:solidFill>
+                  <a:srgbClr val="188038"/>
+                </a:solidFill>
+                <a:latin typeface="Arial"/>
+                <a:ea typeface="Arial"/>
+                <a:cs typeface="Arial"/>
+                <a:sym typeface="Arial"/>
+              </a:rPr>
+              <a:t>  &lt;input type="number" min="1" max="10"&gt;</a:t>
+            </a:r>
+            <a:endParaRPr b="1" i="0" sz="1600" u="none" cap="none" strike="noStrike">
+              <a:solidFill>
+                <a:srgbClr val="188038"/>
+              </a:solidFill>
+              <a:latin typeface="Arial"/>
+              <a:ea typeface="Arial"/>
+              <a:cs typeface="Arial"/>
+              <a:sym typeface="Arial"/>
+            </a:endParaRPr>
+          </a:p>
+          <a:p>
+            <a:pPr indent="0" lvl="0" marL="0" marR="0" rtl="0" algn="l">
+              <a:lnSpc>
+                <a:spcPct val="135714"/>
+              </a:lnSpc>
+              <a:spcBef>
+                <a:spcPts val="0"/>
+              </a:spcBef>
+              <a:spcAft>
+                <a:spcPts val="0"/>
+              </a:spcAft>
+              <a:buClr>
+                <a:srgbClr val="000000"/>
+              </a:buClr>
+              <a:buSzPts val="1600"/>
+              <a:buFont typeface="Arial"/>
+              <a:buNone/>
+            </a:pPr>
+            <a:r>
+              <a:rPr b="1" i="0" lang="cs" sz="1600" u="none" cap="none" strike="noStrike">
+                <a:solidFill>
+                  <a:srgbClr val="188038"/>
+                </a:solidFill>
+                <a:latin typeface="Arial"/>
+                <a:ea typeface="Arial"/>
+                <a:cs typeface="Arial"/>
+                <a:sym typeface="Arial"/>
+              </a:rPr>
+              <a:t>  &lt;input type="date"&gt;</a:t>
+            </a:r>
+            <a:endParaRPr b="1" i="0" sz="1600" u="none" cap="none" strike="noStrike">
+              <a:solidFill>
+                <a:srgbClr val="188038"/>
+              </a:solidFill>
+              <a:latin typeface="Arial"/>
+              <a:ea typeface="Arial"/>
+              <a:cs typeface="Arial"/>
+              <a:sym typeface="Arial"/>
+            </a:endParaRPr>
+          </a:p>
+          <a:p>
+            <a:pPr indent="0" lvl="0" marL="0" marR="0" rtl="0" algn="l">
+              <a:lnSpc>
+                <a:spcPct val="135714"/>
+              </a:lnSpc>
+              <a:spcBef>
+                <a:spcPts val="0"/>
+              </a:spcBef>
+              <a:spcAft>
+                <a:spcPts val="0"/>
+              </a:spcAft>
+              <a:buClr>
+                <a:srgbClr val="000000"/>
+              </a:buClr>
+              <a:buSzPts val="1600"/>
+              <a:buFont typeface="Arial"/>
+              <a:buNone/>
+            </a:pPr>
+            <a:r>
+              <a:rPr b="1" i="0" lang="cs" sz="1600" u="none" cap="none" strike="noStrike">
+                <a:solidFill>
+                  <a:srgbClr val="188038"/>
+                </a:solidFill>
+                <a:latin typeface="Arial"/>
+                <a:ea typeface="Arial"/>
+                <a:cs typeface="Arial"/>
+                <a:sym typeface="Arial"/>
+              </a:rPr>
+              <a:t>  &lt;input type="checkbox"&gt; </a:t>
+            </a:r>
+            <a:r>
+              <a:rPr b="1" i="0" lang="cs" sz="1600" u="none" cap="none" strike="noStrike">
+                <a:solidFill>
+                  <a:srgbClr val="2B3990"/>
+                </a:solidFill>
+                <a:latin typeface="Arial"/>
+                <a:ea typeface="Arial"/>
+                <a:cs typeface="Arial"/>
+                <a:sym typeface="Arial"/>
+              </a:rPr>
+              <a:t>Я согласен</a:t>
+            </a:r>
+            <a:r>
+              <a:rPr b="1" i="0" lang="cs" sz="1600" u="none" cap="none" strike="noStrike">
+                <a:solidFill>
+                  <a:srgbClr val="188038"/>
+                </a:solidFill>
+                <a:latin typeface="Arial"/>
+                <a:ea typeface="Arial"/>
+                <a:cs typeface="Arial"/>
+                <a:sym typeface="Arial"/>
+              </a:rPr>
+              <a:t>&lt;br&gt;</a:t>
+            </a:r>
+            <a:endParaRPr b="1" i="0" sz="1600" u="none" cap="none" strike="noStrike">
+              <a:solidFill>
+                <a:srgbClr val="188038"/>
+              </a:solidFill>
+              <a:latin typeface="Arial"/>
+              <a:ea typeface="Arial"/>
+              <a:cs typeface="Arial"/>
+              <a:sym typeface="Arial"/>
+            </a:endParaRPr>
+          </a:p>
+          <a:p>
+            <a:pPr indent="0" lvl="0" marL="0" marR="0" rtl="0" algn="l">
+              <a:lnSpc>
+                <a:spcPct val="135714"/>
+              </a:lnSpc>
+              <a:spcBef>
+                <a:spcPts val="0"/>
+              </a:spcBef>
+              <a:spcAft>
+                <a:spcPts val="0"/>
+              </a:spcAft>
+              <a:buClr>
+                <a:srgbClr val="000000"/>
+              </a:buClr>
+              <a:buSzPts val="1600"/>
+              <a:buFont typeface="Arial"/>
+              <a:buNone/>
+            </a:pPr>
+            <a:r>
+              <a:rPr b="1" i="0" lang="cs" sz="1600" u="none" cap="none" strike="noStrike">
+                <a:solidFill>
+                  <a:srgbClr val="188038"/>
+                </a:solidFill>
+                <a:latin typeface="Arial"/>
+                <a:ea typeface="Arial"/>
+                <a:cs typeface="Arial"/>
+                <a:sym typeface="Arial"/>
+              </a:rPr>
+              <a:t>  &lt;input type="radio" name="gender" value="male"&gt; </a:t>
+            </a:r>
+            <a:r>
+              <a:rPr b="1" i="0" lang="cs" sz="1600" u="none" cap="none" strike="noStrike">
+                <a:solidFill>
+                  <a:srgbClr val="2B3990"/>
+                </a:solidFill>
+                <a:latin typeface="Arial"/>
+                <a:ea typeface="Arial"/>
+                <a:cs typeface="Arial"/>
+                <a:sym typeface="Arial"/>
+              </a:rPr>
+              <a:t>Мужчина</a:t>
+            </a:r>
+            <a:endParaRPr b="1" i="0" sz="1600" u="none" cap="none" strike="noStrike">
+              <a:solidFill>
+                <a:srgbClr val="2B3990"/>
+              </a:solidFill>
+              <a:latin typeface="Arial"/>
+              <a:ea typeface="Arial"/>
+              <a:cs typeface="Arial"/>
+              <a:sym typeface="Arial"/>
+            </a:endParaRPr>
+          </a:p>
+          <a:p>
+            <a:pPr indent="0" lvl="0" marL="0" marR="0" rtl="0" algn="l">
+              <a:lnSpc>
+                <a:spcPct val="135714"/>
+              </a:lnSpc>
+              <a:spcBef>
+                <a:spcPts val="0"/>
+              </a:spcBef>
+              <a:spcAft>
+                <a:spcPts val="0"/>
+              </a:spcAft>
+              <a:buClr>
+                <a:srgbClr val="000000"/>
+              </a:buClr>
+              <a:buSzPts val="1600"/>
+              <a:buFont typeface="Arial"/>
+              <a:buNone/>
+            </a:pPr>
+            <a:r>
+              <a:rPr b="1" i="0" lang="cs" sz="1600" u="none" cap="none" strike="noStrike">
+                <a:solidFill>
+                  <a:srgbClr val="188038"/>
+                </a:solidFill>
+                <a:latin typeface="Arial"/>
+                <a:ea typeface="Arial"/>
+                <a:cs typeface="Arial"/>
+                <a:sym typeface="Arial"/>
+              </a:rPr>
+              <a:t>  &lt;input type="radio" name="gender" value="female"&gt; </a:t>
+            </a:r>
+            <a:r>
+              <a:rPr b="1" i="0" lang="cs" sz="1600" u="none" cap="none" strike="noStrike">
+                <a:solidFill>
+                  <a:srgbClr val="2B3990"/>
+                </a:solidFill>
+                <a:latin typeface="Arial"/>
+                <a:ea typeface="Arial"/>
+                <a:cs typeface="Arial"/>
+                <a:sym typeface="Arial"/>
+              </a:rPr>
+              <a:t>Женщина</a:t>
+            </a:r>
+            <a:r>
+              <a:rPr b="1" i="0" lang="cs" sz="1600" u="none" cap="none" strike="noStrike">
+                <a:solidFill>
+                  <a:srgbClr val="188038"/>
+                </a:solidFill>
+                <a:latin typeface="Arial"/>
+                <a:ea typeface="Arial"/>
+                <a:cs typeface="Arial"/>
+                <a:sym typeface="Arial"/>
+              </a:rPr>
+              <a:t>&lt;br&gt;</a:t>
+            </a:r>
+            <a:endParaRPr b="1" i="0" sz="1600" u="none" cap="none" strike="noStrike">
+              <a:solidFill>
+                <a:srgbClr val="188038"/>
+              </a:solidFill>
+              <a:latin typeface="Arial"/>
+              <a:ea typeface="Arial"/>
+              <a:cs typeface="Arial"/>
+              <a:sym typeface="Arial"/>
+            </a:endParaRPr>
+          </a:p>
+          <a:p>
+            <a:pPr indent="0" lvl="0" marL="0" marR="0" rtl="0" algn="l">
+              <a:lnSpc>
+                <a:spcPct val="135714"/>
+              </a:lnSpc>
+              <a:spcBef>
+                <a:spcPts val="0"/>
+              </a:spcBef>
+              <a:spcAft>
+                <a:spcPts val="0"/>
+              </a:spcAft>
+              <a:buClr>
+                <a:srgbClr val="000000"/>
+              </a:buClr>
+              <a:buSzPts val="1600"/>
+              <a:buFont typeface="Arial"/>
+              <a:buNone/>
+            </a:pPr>
+            <a:r>
+              <a:rPr b="1" i="0" lang="cs" sz="1600" u="none" cap="none" strike="noStrike">
+                <a:solidFill>
+                  <a:srgbClr val="188038"/>
+                </a:solidFill>
+                <a:latin typeface="Arial"/>
+                <a:ea typeface="Arial"/>
+                <a:cs typeface="Arial"/>
+                <a:sym typeface="Arial"/>
+              </a:rPr>
+              <a:t>  &lt;input type="file"&gt;&lt;br&gt;</a:t>
+            </a:r>
+            <a:endParaRPr b="1" i="0" sz="1600" u="none" cap="none" strike="noStrike">
+              <a:solidFill>
+                <a:srgbClr val="188038"/>
+              </a:solidFill>
+              <a:latin typeface="Arial"/>
+              <a:ea typeface="Arial"/>
+              <a:cs typeface="Arial"/>
+              <a:sym typeface="Arial"/>
+            </a:endParaRPr>
+          </a:p>
+          <a:p>
+            <a:pPr indent="0" lvl="0" marL="0" marR="0" rtl="0" algn="l">
+              <a:lnSpc>
+                <a:spcPct val="135714"/>
+              </a:lnSpc>
+              <a:spcBef>
+                <a:spcPts val="0"/>
+              </a:spcBef>
+              <a:spcAft>
+                <a:spcPts val="0"/>
+              </a:spcAft>
+              <a:buClr>
+                <a:srgbClr val="000000"/>
+              </a:buClr>
+              <a:buSzPts val="1600"/>
+              <a:buFont typeface="Arial"/>
+              <a:buNone/>
+            </a:pPr>
+            <a:r>
+              <a:rPr b="1" i="0" lang="cs" sz="1600" u="none" cap="none" strike="noStrike">
+                <a:solidFill>
+                  <a:srgbClr val="188038"/>
+                </a:solidFill>
+                <a:latin typeface="Arial"/>
+                <a:ea typeface="Arial"/>
+                <a:cs typeface="Arial"/>
+                <a:sym typeface="Arial"/>
+              </a:rPr>
+              <a:t>  &lt;input type="color"&gt;&lt;br&gt;</a:t>
+            </a:r>
+            <a:endParaRPr b="1" i="0" sz="1600" u="none" cap="none" strike="noStrike">
+              <a:solidFill>
+                <a:srgbClr val="188038"/>
+              </a:solidFill>
+              <a:latin typeface="Arial"/>
+              <a:ea typeface="Arial"/>
+              <a:cs typeface="Arial"/>
+              <a:sym typeface="Arial"/>
             </a:endParaRPr>
           </a:p>
           <a:p>
@@ -10323,6 +10946,11 @@
               <a:spcAft>
                 <a:spcPts val="0"/>
               </a:spcAft>
+              <a:buClr>
+                <a:schemeClr val="dk1"/>
+              </a:buClr>
+              <a:buSzPts val="1100"/>
+              <a:buFont typeface="Arial"/>
               <a:buNone/>
             </a:pPr>
             <a:r>
@@ -10331,15 +10959,7 @@
                   <a:srgbClr val="188038"/>
                 </a:solidFill>
               </a:rPr>
-              <a:t> </a:t>
-            </a:r>
-            <a:r>
-              <a:rPr b="1" lang="cs" sz="1600">
-                <a:solidFill>
-                  <a:srgbClr val="188038"/>
-                </a:solidFill>
-              </a:rPr>
-              <a:t>&lt;input type="password" placeholder="Пароль"&gt;</a:t>
+              <a:t> &lt;input type="range" min="0" max="10"&gt;</a:t>
             </a:r>
             <a:endParaRPr b="1" sz="1600">
               <a:solidFill>
@@ -10348,7 +10968,7 @@
             </a:endParaRPr>
           </a:p>
           <a:p>
-            <a:pPr indent="0" lvl="0" marL="0" rtl="0" algn="l">
+            <a:pPr indent="0" lvl="0" marL="0" marR="0" rtl="0" algn="l">
               <a:lnSpc>
                 <a:spcPct val="135714"/>
               </a:lnSpc>
@@ -10358,244 +10978,15 @@
               <a:spcAft>
                 <a:spcPts val="0"/>
               </a:spcAft>
+              <a:buClr>
+                <a:srgbClr val="000000"/>
+              </a:buClr>
+              <a:buSzPts val="1600"/>
+              <a:buFont typeface="Arial"/>
               <a:buNone/>
             </a:pPr>
             <a:r>
-              <a:rPr b="1" lang="cs" sz="1600">
-                <a:solidFill>
-                  <a:srgbClr val="188038"/>
-                </a:solidFill>
-              </a:rPr>
-              <a:t>  &lt;input type="email" placeholder="Email"&gt;</a:t>
-            </a:r>
-            <a:endParaRPr b="1" sz="1600">
-              <a:solidFill>
-                <a:srgbClr val="188038"/>
-              </a:solidFill>
-            </a:endParaRPr>
-          </a:p>
-          <a:p>
-            <a:pPr indent="0" lvl="0" marL="0" rtl="0" algn="l">
-              <a:lnSpc>
-                <a:spcPct val="135714"/>
-              </a:lnSpc>
-              <a:spcBef>
-                <a:spcPts val="0"/>
-              </a:spcBef>
-              <a:spcAft>
-                <a:spcPts val="0"/>
-              </a:spcAft>
-              <a:buNone/>
-            </a:pPr>
-            <a:r>
-              <a:rPr b="1" lang="cs" sz="1600">
-                <a:solidFill>
-                  <a:srgbClr val="188038"/>
-                </a:solidFill>
-              </a:rPr>
-              <a:t>  &lt;input type="number" min="1" max="10"&gt;</a:t>
-            </a:r>
-            <a:endParaRPr b="1" sz="1600">
-              <a:solidFill>
-                <a:srgbClr val="188038"/>
-              </a:solidFill>
-            </a:endParaRPr>
-          </a:p>
-          <a:p>
-            <a:pPr indent="0" lvl="0" marL="0" rtl="0" algn="l">
-              <a:lnSpc>
-                <a:spcPct val="135714"/>
-              </a:lnSpc>
-              <a:spcBef>
-                <a:spcPts val="0"/>
-              </a:spcBef>
-              <a:spcAft>
-                <a:spcPts val="0"/>
-              </a:spcAft>
-              <a:buNone/>
-            </a:pPr>
-            <a:r>
-              <a:rPr b="1" lang="cs" sz="1600">
-                <a:solidFill>
-                  <a:srgbClr val="188038"/>
-                </a:solidFill>
-              </a:rPr>
-              <a:t>  &lt;input type="date"&gt;</a:t>
-            </a:r>
-            <a:endParaRPr b="1" sz="1600">
-              <a:solidFill>
-                <a:srgbClr val="188038"/>
-              </a:solidFill>
-            </a:endParaRPr>
-          </a:p>
-          <a:p>
-            <a:pPr indent="0" lvl="0" marL="0" rtl="0" algn="l">
-              <a:lnSpc>
-                <a:spcPct val="135714"/>
-              </a:lnSpc>
-              <a:spcBef>
-                <a:spcPts val="0"/>
-              </a:spcBef>
-              <a:spcAft>
-                <a:spcPts val="0"/>
-              </a:spcAft>
-              <a:buNone/>
-            </a:pPr>
-            <a:r>
-              <a:rPr b="1" lang="cs" sz="1600">
-                <a:solidFill>
-                  <a:srgbClr val="188038"/>
-                </a:solidFill>
-              </a:rPr>
-              <a:t>  &lt;input type="checkbox"&gt; </a:t>
-            </a:r>
-            <a:r>
-              <a:rPr b="1" lang="cs" sz="1600">
-                <a:solidFill>
-                  <a:srgbClr val="2B3990"/>
-                </a:solidFill>
-              </a:rPr>
-              <a:t>Я согласен</a:t>
-            </a:r>
-            <a:r>
-              <a:rPr b="1" lang="cs" sz="1600">
-                <a:solidFill>
-                  <a:srgbClr val="188038"/>
-                </a:solidFill>
-              </a:rPr>
-              <a:t>&lt;br&gt;</a:t>
-            </a:r>
-            <a:endParaRPr b="1" sz="1600">
-              <a:solidFill>
-                <a:srgbClr val="188038"/>
-              </a:solidFill>
-            </a:endParaRPr>
-          </a:p>
-          <a:p>
-            <a:pPr indent="0" lvl="0" marL="0" rtl="0" algn="l">
-              <a:lnSpc>
-                <a:spcPct val="135714"/>
-              </a:lnSpc>
-              <a:spcBef>
-                <a:spcPts val="0"/>
-              </a:spcBef>
-              <a:spcAft>
-                <a:spcPts val="0"/>
-              </a:spcAft>
-              <a:buNone/>
-            </a:pPr>
-            <a:r>
-              <a:rPr b="1" lang="cs" sz="1600">
-                <a:solidFill>
-                  <a:srgbClr val="188038"/>
-                </a:solidFill>
-              </a:rPr>
-              <a:t>  &lt;input type="radio" name="gender" value="male"&gt; </a:t>
-            </a:r>
-            <a:r>
-              <a:rPr b="1" lang="cs" sz="1600">
-                <a:solidFill>
-                  <a:srgbClr val="2B3990"/>
-                </a:solidFill>
-              </a:rPr>
-              <a:t>Мужчина</a:t>
-            </a:r>
-            <a:endParaRPr b="1" sz="1600">
-              <a:solidFill>
-                <a:srgbClr val="2B3990"/>
-              </a:solidFill>
-            </a:endParaRPr>
-          </a:p>
-          <a:p>
-            <a:pPr indent="0" lvl="0" marL="0" rtl="0" algn="l">
-              <a:lnSpc>
-                <a:spcPct val="135714"/>
-              </a:lnSpc>
-              <a:spcBef>
-                <a:spcPts val="0"/>
-              </a:spcBef>
-              <a:spcAft>
-                <a:spcPts val="0"/>
-              </a:spcAft>
-              <a:buNone/>
-            </a:pPr>
-            <a:r>
-              <a:rPr b="1" lang="cs" sz="1600">
-                <a:solidFill>
-                  <a:srgbClr val="188038"/>
-                </a:solidFill>
-              </a:rPr>
-              <a:t>  &lt;input type="radio" name="gender" value="female"&gt; </a:t>
-            </a:r>
-            <a:r>
-              <a:rPr b="1" lang="cs" sz="1600">
-                <a:solidFill>
-                  <a:srgbClr val="2B3990"/>
-                </a:solidFill>
-              </a:rPr>
-              <a:t>Женщина</a:t>
-            </a:r>
-            <a:r>
-              <a:rPr b="1" lang="cs" sz="1600">
-                <a:solidFill>
-                  <a:srgbClr val="188038"/>
-                </a:solidFill>
-              </a:rPr>
-              <a:t>&lt;br&gt;</a:t>
-            </a:r>
-            <a:endParaRPr b="1" sz="1600">
-              <a:solidFill>
-                <a:srgbClr val="188038"/>
-              </a:solidFill>
-            </a:endParaRPr>
-          </a:p>
-          <a:p>
-            <a:pPr indent="0" lvl="0" marL="0" rtl="0" algn="l">
-              <a:lnSpc>
-                <a:spcPct val="135714"/>
-              </a:lnSpc>
-              <a:spcBef>
-                <a:spcPts val="0"/>
-              </a:spcBef>
-              <a:spcAft>
-                <a:spcPts val="0"/>
-              </a:spcAft>
-              <a:buNone/>
-            </a:pPr>
-            <a:r>
-              <a:rPr b="1" lang="cs" sz="1600">
-                <a:solidFill>
-                  <a:srgbClr val="188038"/>
-                </a:solidFill>
-              </a:rPr>
-              <a:t>  &lt;input type="file"&gt;&lt;br&gt;</a:t>
-            </a:r>
-            <a:endParaRPr b="1" sz="1600">
-              <a:solidFill>
-                <a:srgbClr val="188038"/>
-              </a:solidFill>
-            </a:endParaRPr>
-          </a:p>
-          <a:p>
-            <a:pPr indent="0" lvl="0" marL="0" rtl="0" algn="l">
-              <a:lnSpc>
-                <a:spcPct val="135714"/>
-              </a:lnSpc>
-              <a:spcBef>
-                <a:spcPts val="0"/>
-              </a:spcBef>
-              <a:spcAft>
-                <a:spcPts val="0"/>
-              </a:spcAft>
-              <a:buNone/>
-            </a:pPr>
-            <a:r>
-              <a:rPr b="1" lang="cs" sz="1600">
-                <a:solidFill>
-                  <a:srgbClr val="188038"/>
-                </a:solidFill>
-              </a:rPr>
-              <a:t>  &lt;input type="color"&gt;&lt;br&gt;</a:t>
+              <a:t/>
             </a:r>
             <a:endParaRPr b="1" sz="1600">
               <a:solidFill>
@@ -10673,7 +11064,7 @@
           </a:bodyPr>
           <a:lstStyle/>
           <a:p>
-            <a:pPr indent="0" lvl="0" marL="0" rtl="0" algn="l">
+            <a:pPr indent="0" lvl="0" marL="0" marR="0" rtl="0" algn="l">
               <a:lnSpc>
                 <a:spcPct val="135714"/>
               </a:lnSpc>
@@ -10683,32 +11074,37 @@
               <a:spcAft>
                 <a:spcPts val="0"/>
               </a:spcAft>
+              <a:buClr>
+                <a:srgbClr val="000000"/>
+              </a:buClr>
+              <a:buSzPts val="1500"/>
+              <a:buFont typeface="Arial"/>
               <a:buNone/>
             </a:pPr>
             <a:r>
-              <a:rPr b="1" lang="cs" sz="1500">
+              <a:rPr b="1" i="0" lang="cs" sz="1500" u="none" cap="none" strike="noStrike">
                 <a:solidFill>
                   <a:srgbClr val="2B3990"/>
                 </a:solidFill>
+                <a:latin typeface="Arial"/>
+                <a:ea typeface="Arial"/>
+                <a:cs typeface="Arial"/>
+                <a:sym typeface="Arial"/>
               </a:rPr>
-              <a:t>Выпадающий</a:t>
+              <a:t>Выпадающий список:</a:t>
             </a:r>
-            <a:r>
-              <a:rPr b="1" lang="cs" sz="1500">
-                <a:solidFill>
-                  <a:srgbClr val="2B3990"/>
-                </a:solidFill>
-              </a:rPr>
-              <a:t> список:</a:t>
-            </a:r>
-            <a:endParaRPr b="1" sz="1500">
+            <a:endParaRPr b="1" i="0" sz="1500" u="none" cap="none" strike="noStrike">
               <a:solidFill>
                 <a:srgbClr val="2B3990"/>
               </a:solidFill>
+              <a:latin typeface="Arial"/>
+              <a:ea typeface="Arial"/>
+              <a:cs typeface="Arial"/>
+              <a:sym typeface="Arial"/>
             </a:endParaRPr>
           </a:p>
           <a:p>
-            <a:pPr indent="0" lvl="0" marL="0" rtl="0" algn="l">
+            <a:pPr indent="0" lvl="0" marL="0" marR="0" rtl="0" algn="l">
               <a:lnSpc>
                 <a:spcPct val="135714"/>
               </a:lnSpc>
@@ -10718,40 +11114,61 @@
               <a:spcAft>
                 <a:spcPts val="0"/>
               </a:spcAft>
+              <a:buClr>
+                <a:srgbClr val="000000"/>
+              </a:buClr>
+              <a:buSzPts val="1500"/>
+              <a:buFont typeface="Arial"/>
               <a:buNone/>
             </a:pPr>
             <a:r>
-              <a:rPr b="1" lang="cs" sz="1500">
+              <a:rPr b="1" i="0" lang="cs" sz="1500" u="none" cap="none" strike="noStrike">
                 <a:solidFill>
                   <a:srgbClr val="188038"/>
                 </a:solidFill>
+                <a:latin typeface="Arial"/>
+                <a:ea typeface="Arial"/>
+                <a:cs typeface="Arial"/>
+                <a:sym typeface="Arial"/>
               </a:rPr>
               <a:t>&lt;label for="city"&gt;</a:t>
             </a:r>
             <a:r>
-              <a:rPr b="1" lang="cs" sz="1500">
+              <a:rPr b="1" i="0" lang="cs" sz="1500" u="none" cap="none" strike="noStrike">
                 <a:solidFill>
                   <a:srgbClr val="2B3990"/>
                 </a:solidFill>
+                <a:latin typeface="Arial"/>
+                <a:ea typeface="Arial"/>
+                <a:cs typeface="Arial"/>
+                <a:sym typeface="Arial"/>
               </a:rPr>
               <a:t>Выберите город:</a:t>
             </a:r>
             <a:r>
-              <a:rPr b="1" lang="cs" sz="1500">
+              <a:rPr b="1" i="0" lang="cs" sz="1500" u="none" cap="none" strike="noStrike">
                 <a:solidFill>
                   <a:srgbClr val="188038"/>
                 </a:solidFill>
+                <a:latin typeface="Arial"/>
+                <a:ea typeface="Arial"/>
+                <a:cs typeface="Arial"/>
+                <a:sym typeface="Arial"/>
               </a:rPr>
               <a:t>&lt;/label&gt;</a:t>
             </a:r>
-            <a:endParaRPr b="1" sz="1500">
+            <a:endParaRPr b="1" i="0" sz="1500" u="none" cap="none" strike="noStrike">
               <a:solidFill>
                 <a:srgbClr val="188038"/>
               </a:solidFill>
+              <a:latin typeface="Arial"/>
+              <a:ea typeface="Arial"/>
+              <a:cs typeface="Arial"/>
+              <a:sym typeface="Arial"/>
             </a:endParaRPr>
           </a:p>
           <a:p>
-            <a:pPr indent="0" lvl="0" marL="0" rtl="0" algn="l">
+            <a:pPr indent="0" lvl="0" marL="0" marR="0" rtl="0" algn="l">
               <a:lnSpc>
                 <a:spcPct val="135714"/>
               </a:lnSpc>
@@ -10761,24 +11178,37 @@
               <a:spcAft>
                 <a:spcPts val="0"/>
               </a:spcAft>
+              <a:buClr>
+                <a:srgbClr val="000000"/>
+              </a:buClr>
+              <a:buSzPts val="1500"/>
+              <a:buFont typeface="Arial"/>
               <a:buNone/>
             </a:pPr>
             <a:r>
-              <a:rPr b="1" lang="cs" sz="1500">
+              <a:rPr b="1" i="0" lang="cs" sz="1500" u="none" cap="none" strike="noStrike">
                 <a:solidFill>
                   <a:srgbClr val="188038"/>
                 </a:solidFill>
+                <a:latin typeface="Arial"/>
+                <a:ea typeface="Arial"/>
+                <a:cs typeface="Arial"/>
+                <a:sym typeface="Arial"/>
               </a:rPr>
               <a:t>&lt;select id="city" name="city" multiple size="4"&gt;</a:t>
             </a:r>
-            <a:endParaRPr b="1" sz="1500">
+            <a:endParaRPr b="1" i="0" sz="1500" u="none" cap="none" strike="noStrike">
               <a:solidFill>
                 <a:srgbClr val="188038"/>
               </a:solidFill>
+              <a:latin typeface="Arial"/>
+              <a:ea typeface="Arial"/>
+              <a:cs typeface="Arial"/>
+              <a:sym typeface="Arial"/>
             </a:endParaRPr>
           </a:p>
           <a:p>
-            <a:pPr indent="0" lvl="0" marL="0" rtl="0" algn="l">
+            <a:pPr indent="0" lvl="0" marL="0" marR="0" rtl="0" algn="l">
               <a:lnSpc>
                 <a:spcPct val="135714"/>
               </a:lnSpc>
@@ -10788,40 +11218,61 @@
               <a:spcAft>
                 <a:spcPts val="0"/>
               </a:spcAft>
+              <a:buClr>
+                <a:srgbClr val="000000"/>
+              </a:buClr>
+              <a:buSzPts val="1500"/>
+              <a:buFont typeface="Arial"/>
               <a:buNone/>
             </a:pPr>
             <a:r>
-              <a:rPr b="1" lang="cs" sz="1500">
+              <a:rPr b="1" i="0" lang="cs" sz="1500" u="none" cap="none" strike="noStrike">
                 <a:solidFill>
                   <a:srgbClr val="188038"/>
                 </a:solidFill>
+                <a:latin typeface="Arial"/>
+                <a:ea typeface="Arial"/>
+                <a:cs typeface="Arial"/>
+                <a:sym typeface="Arial"/>
               </a:rPr>
               <a:t>  &lt;option value="prague"&gt;</a:t>
             </a:r>
             <a:r>
-              <a:rPr b="1" lang="cs" sz="1500">
+              <a:rPr b="1" i="0" lang="cs" sz="1500" u="none" cap="none" strike="noStrike">
                 <a:solidFill>
                   <a:srgbClr val="2B3990"/>
                 </a:solidFill>
+                <a:latin typeface="Arial"/>
+                <a:ea typeface="Arial"/>
+                <a:cs typeface="Arial"/>
+                <a:sym typeface="Arial"/>
               </a:rPr>
               <a:t>Прага</a:t>
             </a:r>
             <a:r>
-              <a:rPr b="1" lang="cs" sz="1500">
+              <a:rPr b="1" i="0" lang="cs" sz="1500" u="none" cap="none" strike="noStrike">
                 <a:solidFill>
                   <a:srgbClr val="188038"/>
                 </a:solidFill>
+                <a:latin typeface="Arial"/>
+                <a:ea typeface="Arial"/>
+                <a:cs typeface="Arial"/>
+                <a:sym typeface="Arial"/>
               </a:rPr>
               <a:t>&lt;/option&gt;</a:t>
             </a:r>
-            <a:endParaRPr b="1" sz="1500">
+            <a:endParaRPr b="1" i="0" sz="1500" u="none" cap="none" strike="noStrike">
               <a:solidFill>
                 <a:srgbClr val="188038"/>
               </a:solidFill>
+              <a:latin typeface="Arial"/>
+              <a:ea typeface="Arial"/>
+              <a:cs typeface="Arial"/>
+              <a:sym typeface="Arial"/>
             </a:endParaRPr>
           </a:p>
           <a:p>
-            <a:pPr indent="0" lvl="0" marL="0" rtl="0" algn="l">
+            <a:pPr indent="0" lvl="0" marL="0" marR="0" rtl="0" algn="l">
               <a:lnSpc>
                 <a:spcPct val="135714"/>
               </a:lnSpc>
@@ -10831,40 +11282,61 @@
               <a:spcAft>
                 <a:spcPts val="0"/>
               </a:spcAft>
+              <a:buClr>
+                <a:srgbClr val="000000"/>
+              </a:buClr>
+              <a:buSzPts val="1500"/>
+              <a:buFont typeface="Arial"/>
               <a:buNone/>
             </a:pPr>
             <a:r>
-              <a:rPr b="1" lang="cs" sz="1500">
+              <a:rPr b="1" i="0" lang="cs" sz="1500" u="none" cap="none" strike="noStrike">
                 <a:solidFill>
                   <a:srgbClr val="188038"/>
                 </a:solidFill>
+                <a:latin typeface="Arial"/>
+                <a:ea typeface="Arial"/>
+                <a:cs typeface="Arial"/>
+                <a:sym typeface="Arial"/>
               </a:rPr>
               <a:t>  &lt;option value="brno"&gt;</a:t>
             </a:r>
             <a:r>
-              <a:rPr b="1" lang="cs" sz="1500">
+              <a:rPr b="1" i="0" lang="cs" sz="1500" u="none" cap="none" strike="noStrike">
                 <a:solidFill>
                   <a:srgbClr val="2B3990"/>
                 </a:solidFill>
+                <a:latin typeface="Arial"/>
+                <a:ea typeface="Arial"/>
+                <a:cs typeface="Arial"/>
+                <a:sym typeface="Arial"/>
               </a:rPr>
               <a:t>Брно</a:t>
             </a:r>
             <a:r>
-              <a:rPr b="1" lang="cs" sz="1500">
+              <a:rPr b="1" i="0" lang="cs" sz="1500" u="none" cap="none" strike="noStrike">
                 <a:solidFill>
                   <a:srgbClr val="188038"/>
                 </a:solidFill>
+                <a:latin typeface="Arial"/>
+                <a:ea typeface="Arial"/>
+                <a:cs typeface="Arial"/>
+                <a:sym typeface="Arial"/>
               </a:rPr>
               <a:t>&lt;/option&gt;</a:t>
             </a:r>
-            <a:endParaRPr b="1" sz="1500">
+            <a:endParaRPr b="1" i="0" sz="1500" u="none" cap="none" strike="noStrike">
               <a:solidFill>
                 <a:srgbClr val="188038"/>
               </a:solidFill>
+              <a:latin typeface="Arial"/>
+              <a:ea typeface="Arial"/>
+              <a:cs typeface="Arial"/>
+              <a:sym typeface="Arial"/>
             </a:endParaRPr>
           </a:p>
           <a:p>
-            <a:pPr indent="0" lvl="0" marL="0" rtl="0" algn="l">
+            <a:pPr indent="0" lvl="0" marL="0" marR="0" rtl="0" algn="l">
               <a:lnSpc>
                 <a:spcPct val="135714"/>
               </a:lnSpc>
@@ -10874,40 +11346,61 @@
               <a:spcAft>
                 <a:spcPts val="0"/>
               </a:spcAft>
+              <a:buClr>
+                <a:srgbClr val="000000"/>
+              </a:buClr>
+              <a:buSzPts val="1500"/>
+              <a:buFont typeface="Arial"/>
               <a:buNone/>
             </a:pPr>
             <a:r>
-              <a:rPr b="1" lang="cs" sz="1500">
+              <a:rPr b="1" i="0" lang="cs" sz="1500" u="none" cap="none" strike="noStrike">
                 <a:solidFill>
                   <a:srgbClr val="188038"/>
                 </a:solidFill>
+                <a:latin typeface="Arial"/>
+                <a:ea typeface="Arial"/>
+                <a:cs typeface="Arial"/>
+                <a:sym typeface="Arial"/>
               </a:rPr>
               <a:t>  &lt;option value="ostrava"&gt;</a:t>
             </a:r>
             <a:r>
-              <a:rPr b="1" lang="cs" sz="1500">
+              <a:rPr b="1" i="0" lang="cs" sz="1500" u="none" cap="none" strike="noStrike">
                 <a:solidFill>
                   <a:srgbClr val="2B3990"/>
                 </a:solidFill>
+                <a:latin typeface="Arial"/>
+                <a:ea typeface="Arial"/>
+                <a:cs typeface="Arial"/>
+                <a:sym typeface="Arial"/>
               </a:rPr>
               <a:t>Острава</a:t>
             </a:r>
             <a:r>
-              <a:rPr b="1" lang="cs" sz="1500">
+              <a:rPr b="1" i="0" lang="cs" sz="1500" u="none" cap="none" strike="noStrike">
                 <a:solidFill>
                   <a:srgbClr val="188038"/>
                 </a:solidFill>
+                <a:latin typeface="Arial"/>
+                <a:ea typeface="Arial"/>
+                <a:cs typeface="Arial"/>
+                <a:sym typeface="Arial"/>
               </a:rPr>
               <a:t>&lt;/option&gt;</a:t>
             </a:r>
-            <a:endParaRPr b="1" sz="1500">
+            <a:endParaRPr b="1" i="0" sz="1500" u="none" cap="none" strike="noStrike">
               <a:solidFill>
                 <a:srgbClr val="188038"/>
               </a:solidFill>
+              <a:latin typeface="Arial"/>
+              <a:ea typeface="Arial"/>
+              <a:cs typeface="Arial"/>
+              <a:sym typeface="Arial"/>
             </a:endParaRPr>
           </a:p>
           <a:p>
-            <a:pPr indent="0" lvl="0" marL="0" rtl="0" algn="l">
+            <a:pPr indent="0" lvl="0" marL="0" marR="0" rtl="0" algn="l">
               <a:lnSpc>
                 <a:spcPct val="135714"/>
               </a:lnSpc>
@@ -10917,24 +11410,37 @@
               <a:spcAft>
                 <a:spcPts val="0"/>
               </a:spcAft>
+              <a:buClr>
+                <a:srgbClr val="000000"/>
+              </a:buClr>
+              <a:buSzPts val="1500"/>
+              <a:buFont typeface="Arial"/>
               <a:buNone/>
             </a:pPr>
             <a:r>
-              <a:rPr b="1" lang="cs" sz="1500">
+              <a:rPr b="1" i="0" lang="cs" sz="1500" u="none" cap="none" strike="noStrike">
                 <a:solidFill>
                   <a:srgbClr val="188038"/>
                 </a:solidFill>
+                <a:latin typeface="Arial"/>
+                <a:ea typeface="Arial"/>
+                <a:cs typeface="Arial"/>
+                <a:sym typeface="Arial"/>
               </a:rPr>
               <a:t>&lt;/select&gt;</a:t>
             </a:r>
-            <a:endParaRPr b="1" sz="1500">
+            <a:endParaRPr b="1" i="0" sz="1500" u="none" cap="none" strike="noStrike">
               <a:solidFill>
                 <a:srgbClr val="188038"/>
               </a:solidFill>
+              <a:latin typeface="Arial"/>
+              <a:ea typeface="Arial"/>
+              <a:cs typeface="Arial"/>
+              <a:sym typeface="Arial"/>
             </a:endParaRPr>
           </a:p>
           <a:p>
-            <a:pPr indent="0" lvl="0" marL="0" rtl="0" algn="l">
+            <a:pPr indent="0" lvl="0" marL="0" marR="0" rtl="0" algn="l">
               <a:lnSpc>
                 <a:spcPct val="135714"/>
               </a:lnSpc>
@@ -10944,19 +11450,28 @@
               <a:spcAft>
                 <a:spcPts val="0"/>
               </a:spcAft>
+              <a:buClr>
+                <a:srgbClr val="000000"/>
+              </a:buClr>
+              <a:buSzPts val="1500"/>
+              <a:buFont typeface="Arial"/>
               <a:buNone/>
             </a:pPr>
             <a:r>
               <a:t/>
             </a:r>
-            <a:endParaRPr b="1" sz="1500">
+            <a:endParaRPr b="1" i="0" sz="1500" u="none" cap="none" strike="noStrike">
               <a:solidFill>
                 <a:srgbClr val="188038"/>
               </a:solidFill>
+              <a:latin typeface="Arial"/>
+              <a:ea typeface="Arial"/>
+              <a:cs typeface="Arial"/>
+              <a:sym typeface="Arial"/>
             </a:endParaRPr>
           </a:p>
           <a:p>
-            <a:pPr indent="0" lvl="0" marL="0" rtl="0" algn="l">
+            <a:pPr indent="0" lvl="0" marL="0" marR="0" rtl="0" algn="l">
               <a:lnSpc>
                 <a:spcPct val="135714"/>
               </a:lnSpc>
@@ -10966,24 +11481,37 @@
               <a:spcAft>
                 <a:spcPts val="0"/>
               </a:spcAft>
+              <a:buClr>
+                <a:srgbClr val="000000"/>
+              </a:buClr>
+              <a:buSzPts val="1500"/>
+              <a:buFont typeface="Arial"/>
               <a:buNone/>
             </a:pPr>
             <a:r>
-              <a:rPr b="1" lang="cs" sz="1500">
+              <a:rPr b="1" i="0" lang="cs" sz="1500" u="none" cap="none" strike="noStrike">
                 <a:solidFill>
                   <a:srgbClr val="188038"/>
                 </a:solidFill>
+                <a:latin typeface="Arial"/>
+                <a:ea typeface="Arial"/>
+                <a:cs typeface="Arial"/>
+                <a:sym typeface="Arial"/>
               </a:rPr>
               <a:t>&lt;input list="cities" id="city" name="city"&gt;</a:t>
             </a:r>
-            <a:endParaRPr b="1" sz="1500">
+            <a:endParaRPr b="1" i="0" sz="1500" u="none" cap="none" strike="noStrike">
               <a:solidFill>
                 <a:srgbClr val="188038"/>
               </a:solidFill>
+              <a:latin typeface="Arial"/>
+              <a:ea typeface="Arial"/>
+              <a:cs typeface="Arial"/>
+              <a:sym typeface="Arial"/>
             </a:endParaRPr>
           </a:p>
           <a:p>
-            <a:pPr indent="0" lvl="0" marL="0" rtl="0" algn="l">
+            <a:pPr indent="0" lvl="0" marL="0" marR="0" rtl="0" algn="l">
               <a:lnSpc>
                 <a:spcPct val="135714"/>
               </a:lnSpc>
@@ -10993,24 +11521,37 @@
               <a:spcAft>
                 <a:spcPts val="0"/>
               </a:spcAft>
+              <a:buClr>
+                <a:srgbClr val="000000"/>
+              </a:buClr>
+              <a:buSzPts val="1500"/>
+              <a:buFont typeface="Arial"/>
               <a:buNone/>
             </a:pPr>
             <a:r>
-              <a:rPr b="1" lang="cs" sz="1500">
+              <a:rPr b="1" i="0" lang="cs" sz="1500" u="none" cap="none" strike="noStrike">
                 <a:solidFill>
                   <a:srgbClr val="188038"/>
                 </a:solidFill>
+                <a:latin typeface="Arial"/>
+                <a:ea typeface="Arial"/>
+                <a:cs typeface="Arial"/>
+                <a:sym typeface="Arial"/>
               </a:rPr>
               <a:t>&lt;datalist id="cities"&gt;</a:t>
             </a:r>
-            <a:endParaRPr b="1" sz="1500">
+            <a:endParaRPr b="1" i="0" sz="1500" u="none" cap="none" strike="noStrike">
               <a:solidFill>
                 <a:srgbClr val="188038"/>
               </a:solidFill>
+              <a:latin typeface="Arial"/>
+              <a:ea typeface="Arial"/>
+              <a:cs typeface="Arial"/>
+              <a:sym typeface="Arial"/>
             </a:endParaRPr>
           </a:p>
           <a:p>
-            <a:pPr indent="0" lvl="0" marL="0" rtl="0" algn="l">
+            <a:pPr indent="0" lvl="0" marL="0" marR="0" rtl="0" algn="l">
               <a:lnSpc>
                 <a:spcPct val="135714"/>
               </a:lnSpc>
@@ -11020,24 +11561,37 @@
               <a:spcAft>
                 <a:spcPts val="0"/>
               </a:spcAft>
+              <a:buClr>
+                <a:srgbClr val="000000"/>
+              </a:buClr>
+              <a:buSzPts val="1500"/>
+              <a:buFont typeface="Arial"/>
               <a:buNone/>
             </a:pPr>
             <a:r>
-              <a:rPr b="1" lang="cs" sz="1500">
+              <a:rPr b="1" i="0" lang="cs" sz="1500" u="none" cap="none" strike="noStrike">
                 <a:solidFill>
                   <a:srgbClr val="188038"/>
                 </a:solidFill>
+                <a:latin typeface="Arial"/>
+                <a:ea typeface="Arial"/>
+                <a:cs typeface="Arial"/>
+                <a:sym typeface="Arial"/>
               </a:rPr>
               <a:t>  &lt;option value="Прага"&gt;</a:t>
             </a:r>
-            <a:endParaRPr b="1" sz="1500">
+            <a:endParaRPr b="1" i="0" sz="1500" u="none" cap="none" strike="noStrike">
               <a:solidFill>
                 <a:srgbClr val="188038"/>
               </a:solidFill>
+              <a:latin typeface="Arial"/>
+              <a:ea typeface="Arial"/>
+              <a:cs typeface="Arial"/>
+              <a:sym typeface="Arial"/>
             </a:endParaRPr>
           </a:p>
           <a:p>
-            <a:pPr indent="0" lvl="0" marL="0" rtl="0" algn="l">
+            <a:pPr indent="0" lvl="0" marL="0" marR="0" rtl="0" algn="l">
               <a:lnSpc>
                 <a:spcPct val="135714"/>
               </a:lnSpc>
@@ -11047,24 +11601,37 @@
               <a:spcAft>
                 <a:spcPts val="0"/>
               </a:spcAft>
+              <a:buClr>
+                <a:srgbClr val="000000"/>
+              </a:buClr>
+              <a:buSzPts val="1500"/>
+              <a:buFont typeface="Arial"/>
               <a:buNone/>
             </a:pPr>
             <a:r>
-              <a:rPr b="1" lang="cs" sz="1500">
+              <a:rPr b="1" i="0" lang="cs" sz="1500" u="none" cap="none" strike="noStrike">
                 <a:solidFill>
                   <a:srgbClr val="188038"/>
                 </a:solidFill>
+                <a:latin typeface="Arial"/>
+                <a:ea typeface="Arial"/>
+                <a:cs typeface="Arial"/>
+                <a:sym typeface="Arial"/>
               </a:rPr>
               <a:t>  &lt;option value="Брно"&gt;</a:t>
             </a:r>
-            <a:endParaRPr b="1" sz="1500">
+            <a:endParaRPr b="1" i="0" sz="1500" u="none" cap="none" strike="noStrike">
               <a:solidFill>
                 <a:srgbClr val="188038"/>
               </a:solidFill>
+              <a:latin typeface="Arial"/>
+              <a:ea typeface="Arial"/>
+              <a:cs typeface="Arial"/>
+              <a:sym typeface="Arial"/>
             </a:endParaRPr>
           </a:p>
           <a:p>
-            <a:pPr indent="0" lvl="0" marL="0" rtl="0" algn="l">
+            <a:pPr indent="0" lvl="0" marL="0" marR="0" rtl="0" algn="l">
               <a:lnSpc>
                 <a:spcPct val="135714"/>
               </a:lnSpc>
@@ -11074,24 +11641,37 @@
               <a:spcAft>
                 <a:spcPts val="0"/>
               </a:spcAft>
+              <a:buClr>
+                <a:srgbClr val="000000"/>
+              </a:buClr>
+              <a:buSzPts val="1500"/>
+              <a:buFont typeface="Arial"/>
               <a:buNone/>
             </a:pPr>
             <a:r>
-              <a:rPr b="1" lang="cs" sz="1500">
+              <a:rPr b="1" i="0" lang="cs" sz="1500" u="none" cap="none" strike="noStrike">
                 <a:solidFill>
                   <a:srgbClr val="188038"/>
                 </a:solidFill>
+                <a:latin typeface="Arial"/>
+                <a:ea typeface="Arial"/>
+                <a:cs typeface="Arial"/>
+                <a:sym typeface="Arial"/>
               </a:rPr>
               <a:t>  &lt;option value="Острава"&gt;</a:t>
             </a:r>
-            <a:endParaRPr b="1" sz="1500">
+            <a:endParaRPr b="1" i="0" sz="1500" u="none" cap="none" strike="noStrike">
               <a:solidFill>
                 <a:srgbClr val="188038"/>
               </a:solidFill>
+              <a:latin typeface="Arial"/>
+              <a:ea typeface="Arial"/>
+              <a:cs typeface="Arial"/>
+              <a:sym typeface="Arial"/>
             </a:endParaRPr>
           </a:p>
           <a:p>
-            <a:pPr indent="0" lvl="0" marL="0" rtl="0" algn="l">
+            <a:pPr indent="0" lvl="0" marL="0" marR="0" rtl="0" algn="l">
               <a:lnSpc>
                 <a:spcPct val="135714"/>
               </a:lnSpc>
@@ -11101,24 +11681,37 @@
               <a:spcAft>
                 <a:spcPts val="0"/>
               </a:spcAft>
+              <a:buClr>
+                <a:srgbClr val="000000"/>
+              </a:buClr>
+              <a:buSzPts val="1500"/>
+              <a:buFont typeface="Arial"/>
               <a:buNone/>
             </a:pPr>
             <a:r>
-              <a:rPr b="1" lang="cs" sz="1500">
+              <a:rPr b="1" i="0" lang="cs" sz="1500" u="none" cap="none" strike="noStrike">
                 <a:solidFill>
                   <a:srgbClr val="188038"/>
                 </a:solidFill>
+                <a:latin typeface="Arial"/>
+                <a:ea typeface="Arial"/>
+                <a:cs typeface="Arial"/>
+                <a:sym typeface="Arial"/>
               </a:rPr>
               <a:t>&lt;/datalist&gt;</a:t>
             </a:r>
-            <a:endParaRPr b="1" sz="1500">
+            <a:endParaRPr b="1" i="0" sz="1500" u="none" cap="none" strike="noStrike">
               <a:solidFill>
                 <a:srgbClr val="188038"/>
               </a:solidFill>
+              <a:latin typeface="Arial"/>
+              <a:ea typeface="Arial"/>
+              <a:cs typeface="Arial"/>
+              <a:sym typeface="Arial"/>
             </a:endParaRPr>
           </a:p>
           <a:p>
-            <a:pPr indent="0" lvl="0" marL="0" rtl="0" algn="l">
+            <a:pPr indent="0" lvl="0" marL="0" marR="0" rtl="0" algn="l">
               <a:lnSpc>
                 <a:spcPct val="135714"/>
               </a:lnSpc>
@@ -11128,20 +11721,33 @@
               <a:spcAft>
                 <a:spcPts val="0"/>
               </a:spcAft>
+              <a:buClr>
+                <a:srgbClr val="000000"/>
+              </a:buClr>
+              <a:buSzPts val="1500"/>
+              <a:buFont typeface="Arial"/>
               <a:buNone/>
             </a:pPr>
             <a:r>
-              <a:rPr b="1" lang="cs" sz="1500">
+              <a:rPr b="1" i="0" lang="cs" sz="1500" u="none" cap="none" strike="noStrike">
                 <a:solidFill>
                   <a:srgbClr val="188038"/>
                 </a:solidFill>
+                <a:latin typeface="Arial"/>
+                <a:ea typeface="Arial"/>
+                <a:cs typeface="Arial"/>
+                <a:sym typeface="Arial"/>
               </a:rPr>
               <a:t>&lt;/form&gt;</a:t>
             </a:r>
-            <a:endParaRPr b="1" sz="1500">
+            <a:endParaRPr b="1" i="0" sz="1500" u="none" cap="none" strike="noStrike">
               <a:solidFill>
                 <a:srgbClr val="188038"/>
               </a:solidFill>
+              <a:latin typeface="Arial"/>
+              <a:ea typeface="Arial"/>
+              <a:cs typeface="Arial"/>
+              <a:sym typeface="Arial"/>
             </a:endParaRPr>
           </a:p>
         </p:txBody>
@@ -11214,137 +11820,213 @@
           </a:bodyPr>
           <a:lstStyle/>
           <a:p>
-            <a:pPr indent="0" lvl="0" marL="0" rtl="0" algn="l">
-              <a:spcBef>
-                <a:spcPts val="0"/>
-              </a:spcBef>
-              <a:spcAft>
-                <a:spcPts val="0"/>
-              </a:spcAft>
+            <a:pPr indent="0" lvl="0" marL="0" marR="0" rtl="0" algn="l">
+              <a:lnSpc>
+                <a:spcPct val="100000"/>
+              </a:lnSpc>
+              <a:spcBef>
+                <a:spcPts val="0"/>
+              </a:spcBef>
+              <a:spcAft>
+                <a:spcPts val="0"/>
+              </a:spcAft>
+              <a:buClr>
+                <a:srgbClr val="000000"/>
+              </a:buClr>
+              <a:buSzPts val="1600"/>
+              <a:buFont typeface="Arial"/>
               <a:buNone/>
             </a:pPr>
             <a:r>
-              <a:rPr b="1" lang="cs" sz="1600">
+              <a:rPr b="1" i="0" lang="cs" sz="1600" u="none" cap="none" strike="noStrike">
                 <a:solidFill>
                   <a:srgbClr val="188038"/>
                 </a:solidFill>
+                <a:latin typeface="Arial"/>
+                <a:ea typeface="Arial"/>
+                <a:cs typeface="Arial"/>
+                <a:sym typeface="Arial"/>
               </a:rPr>
               <a:t>&lt;fieldset&gt;</a:t>
             </a:r>
             <a:r>
-              <a:rPr lang="cs" sz="1600">
+              <a:rPr b="0" i="0" lang="cs" sz="1600" u="none" cap="none" strike="noStrike">
                 <a:solidFill>
                   <a:srgbClr val="188038"/>
                 </a:solidFill>
+                <a:latin typeface="Arial"/>
+                <a:ea typeface="Arial"/>
+                <a:cs typeface="Arial"/>
+                <a:sym typeface="Arial"/>
               </a:rPr>
               <a:t> </a:t>
             </a:r>
             <a:r>
-              <a:rPr lang="cs" sz="1600">
+              <a:rPr b="0" i="0" lang="cs" sz="1600" u="none" cap="none" strike="noStrike">
                 <a:solidFill>
                   <a:srgbClr val="2B3990"/>
                 </a:solidFill>
+                <a:latin typeface="Arial"/>
+                <a:ea typeface="Arial"/>
+                <a:cs typeface="Arial"/>
+                <a:sym typeface="Arial"/>
               </a:rPr>
               <a:t>служит для </a:t>
             </a:r>
             <a:r>
-              <a:rPr b="1" lang="cs" sz="1600">
+              <a:rPr b="1" i="0" lang="cs" sz="1600" u="none" cap="none" strike="noStrike">
                 <a:solidFill>
                   <a:srgbClr val="2B3990"/>
                 </a:solidFill>
+                <a:latin typeface="Arial"/>
+                <a:ea typeface="Arial"/>
+                <a:cs typeface="Arial"/>
+                <a:sym typeface="Arial"/>
               </a:rPr>
               <a:t>группировки связанных элементов формы</a:t>
             </a:r>
             <a:r>
-              <a:rPr lang="cs" sz="1600">
+              <a:rPr b="0" i="0" lang="cs" sz="1600" u="none" cap="none" strike="noStrike">
                 <a:solidFill>
                   <a:srgbClr val="2B3990"/>
                 </a:solidFill>
+                <a:latin typeface="Arial"/>
+                <a:ea typeface="Arial"/>
+                <a:cs typeface="Arial"/>
+                <a:sym typeface="Arial"/>
               </a:rPr>
               <a:t>. Помогает структурировать форму и улучшить её читаемость.</a:t>
             </a:r>
             <a:br>
-              <a:rPr lang="cs" sz="1600">
+              <a:rPr b="0" i="0" lang="cs" sz="1600" u="none" cap="none" strike="noStrike">
                 <a:solidFill>
                   <a:srgbClr val="2B3990"/>
                 </a:solidFill>
+                <a:latin typeface="Arial"/>
+                <a:ea typeface="Arial"/>
+                <a:cs typeface="Arial"/>
+                <a:sym typeface="Arial"/>
               </a:rPr>
             </a:br>
-            <a:endParaRPr sz="1600">
+            <a:endParaRPr b="0" i="0" sz="1600" u="none" cap="none" strike="noStrike">
               <a:solidFill>
                 <a:srgbClr val="2B3990"/>
               </a:solidFill>
+              <a:latin typeface="Arial"/>
+              <a:ea typeface="Arial"/>
+              <a:cs typeface="Arial"/>
+              <a:sym typeface="Arial"/>
             </a:endParaRPr>
           </a:p>
           <a:p>
-            <a:pPr indent="0" lvl="0" marL="0" rtl="0" algn="l">
-              <a:spcBef>
-                <a:spcPts val="0"/>
-              </a:spcBef>
-              <a:spcAft>
-                <a:spcPts val="0"/>
-              </a:spcAft>
+            <a:pPr indent="0" lvl="0" marL="0" marR="0" rtl="0" algn="l">
+              <a:lnSpc>
+                <a:spcPct val="100000"/>
+              </a:lnSpc>
+              <a:spcBef>
+                <a:spcPts val="0"/>
+              </a:spcBef>
+              <a:spcAft>
+                <a:spcPts val="0"/>
+              </a:spcAft>
+              <a:buClr>
+                <a:srgbClr val="000000"/>
+              </a:buClr>
+              <a:buSzPts val="1600"/>
+              <a:buFont typeface="Arial"/>
               <a:buNone/>
             </a:pPr>
             <a:r>
-              <a:rPr b="1" lang="cs" sz="1600">
+              <a:rPr b="1" i="0" lang="cs" sz="1600" u="none" cap="none" strike="noStrike">
                 <a:solidFill>
                   <a:srgbClr val="188038"/>
                 </a:solidFill>
+                <a:latin typeface="Arial"/>
+                <a:ea typeface="Arial"/>
+                <a:cs typeface="Arial"/>
+                <a:sym typeface="Arial"/>
               </a:rPr>
               <a:t>&lt;legend&gt;</a:t>
             </a:r>
             <a:r>
-              <a:rPr lang="cs" sz="1600">
+              <a:rPr b="0" i="0" lang="cs" sz="1600" u="none" cap="none" strike="noStrike">
                 <a:solidFill>
                   <a:srgbClr val="2B3990"/>
                 </a:solidFill>
+                <a:latin typeface="Arial"/>
+                <a:ea typeface="Arial"/>
+                <a:cs typeface="Arial"/>
+                <a:sym typeface="Arial"/>
               </a:rPr>
               <a:t> — это </a:t>
             </a:r>
             <a:r>
-              <a:rPr b="1" lang="cs" sz="1600">
+              <a:rPr b="1" i="0" lang="cs" sz="1600" u="none" cap="none" strike="noStrike">
                 <a:solidFill>
                   <a:srgbClr val="2B3990"/>
                 </a:solidFill>
+                <a:latin typeface="Arial"/>
+                <a:ea typeface="Arial"/>
+                <a:cs typeface="Arial"/>
+                <a:sym typeface="Arial"/>
               </a:rPr>
               <a:t>заголовок для группы полей</a:t>
             </a:r>
             <a:r>
-              <a:rPr lang="cs" sz="1600">
+              <a:rPr b="0" i="0" lang="cs" sz="1600" u="none" cap="none" strike="noStrike">
                 <a:solidFill>
                   <a:srgbClr val="2B3990"/>
                 </a:solidFill>
+                <a:latin typeface="Arial"/>
+                <a:ea typeface="Arial"/>
+                <a:cs typeface="Arial"/>
+                <a:sym typeface="Arial"/>
               </a:rPr>
               <a:t>, который поясняет, что находится внутри</a:t>
             </a:r>
-            <a:endParaRPr sz="1600">
+            <a:endParaRPr b="0" i="0" sz="1600" u="none" cap="none" strike="noStrike">
               <a:solidFill>
                 <a:srgbClr val="2B3990"/>
               </a:solidFill>
+              <a:latin typeface="Arial"/>
+              <a:ea typeface="Arial"/>
+              <a:cs typeface="Arial"/>
+              <a:sym typeface="Arial"/>
             </a:endParaRPr>
           </a:p>
           <a:p>
-            <a:pPr indent="0" lvl="0" marL="0" rtl="0" algn="l">
-              <a:spcBef>
-                <a:spcPts val="0"/>
-              </a:spcBef>
-              <a:spcAft>
-                <a:spcPts val="0"/>
-              </a:spcAft>
+            <a:pPr indent="0" lvl="0" marL="0" marR="0" rtl="0" algn="l">
+              <a:lnSpc>
+                <a:spcPct val="100000"/>
+              </a:lnSpc>
+              <a:spcBef>
+                <a:spcPts val="0"/>
+              </a:spcBef>
+              <a:spcAft>
+                <a:spcPts val="0"/>
+              </a:spcAft>
+              <a:buClr>
+                <a:srgbClr val="000000"/>
+              </a:buClr>
+              <a:buSzPts val="1600"/>
+              <a:buFont typeface="Arial"/>
               <a:buNone/>
             </a:pPr>
             <a:r>
               <a:t/>
             </a:r>
-            <a:endParaRPr sz="1600">
+            <a:endParaRPr b="0" i="0" sz="1600" u="none" cap="none" strike="noStrike">
               <a:solidFill>
                 <a:srgbClr val="2B3990"/>
               </a:solidFill>
+              <a:latin typeface="Arial"/>
+              <a:ea typeface="Arial"/>
+              <a:cs typeface="Arial"/>
+              <a:sym typeface="Arial"/>
             </a:endParaRPr>
           </a:p>
           <a:p>
-            <a:pPr indent="0" lvl="0" marL="0" rtl="0" algn="l">
+            <a:pPr indent="0" lvl="0" marL="0" marR="0" rtl="0" algn="l">
               <a:lnSpc>
                 <a:spcPct val="135714"/>
               </a:lnSpc>
@@ -11354,24 +12036,37 @@
               <a:spcAft>
                 <a:spcPts val="0"/>
               </a:spcAft>
+              <a:buClr>
+                <a:srgbClr val="000000"/>
+              </a:buClr>
+              <a:buSzPts val="1600"/>
+              <a:buFont typeface="Arial"/>
               <a:buNone/>
             </a:pPr>
             <a:r>
-              <a:rPr b="1" lang="cs" sz="1600">
+              <a:rPr b="1" i="0" lang="cs" sz="1600" u="none" cap="none" strike="noStrike">
                 <a:solidFill>
                   <a:srgbClr val="188038"/>
                 </a:solidFill>
+                <a:latin typeface="Arial"/>
+                <a:ea typeface="Arial"/>
+                <a:cs typeface="Arial"/>
+                <a:sym typeface="Arial"/>
               </a:rPr>
               <a:t>&lt;form&gt;</a:t>
             </a:r>
-            <a:endParaRPr b="1" sz="1600">
+            <a:endParaRPr b="1" i="0" sz="1600" u="none" cap="none" strike="noStrike">
               <a:solidFill>
                 <a:srgbClr val="188038"/>
               </a:solidFill>
+              <a:latin typeface="Arial"/>
+              <a:ea typeface="Arial"/>
+              <a:cs typeface="Arial"/>
+              <a:sym typeface="Arial"/>
             </a:endParaRPr>
           </a:p>
           <a:p>
-            <a:pPr indent="0" lvl="0" marL="0" rtl="0" algn="l">
+            <a:pPr indent="0" lvl="0" marL="0" marR="0" rtl="0" algn="l">
               <a:lnSpc>
                 <a:spcPct val="135714"/>
               </a:lnSpc>
@@ -11381,24 +12076,37 @@
               <a:spcAft>
                 <a:spcPts val="0"/>
               </a:spcAft>
+              <a:buClr>
+                <a:srgbClr val="000000"/>
+              </a:buClr>
+              <a:buSzPts val="1600"/>
+              <a:buFont typeface="Arial"/>
               <a:buNone/>
             </a:pPr>
             <a:r>
-              <a:rPr b="1" lang="cs" sz="1600">
+              <a:rPr b="1" i="0" lang="cs" sz="1600" u="none" cap="none" strike="noStrike">
                 <a:solidFill>
                   <a:srgbClr val="188038"/>
                 </a:solidFill>
+                <a:latin typeface="Arial"/>
+                <a:ea typeface="Arial"/>
+                <a:cs typeface="Arial"/>
+                <a:sym typeface="Arial"/>
               </a:rPr>
               <a:t>        &lt;fieldset&gt;</a:t>
             </a:r>
-            <a:endParaRPr b="1" sz="1600">
+            <a:endParaRPr b="1" i="0" sz="1600" u="none" cap="none" strike="noStrike">
               <a:solidFill>
                 <a:srgbClr val="188038"/>
               </a:solidFill>
+              <a:latin typeface="Arial"/>
+              <a:ea typeface="Arial"/>
+              <a:cs typeface="Arial"/>
+              <a:sym typeface="Arial"/>
             </a:endParaRPr>
           </a:p>
           <a:p>
-            <a:pPr indent="0" lvl="0" marL="0" rtl="0" algn="l">
+            <a:pPr indent="0" lvl="0" marL="0" marR="0" rtl="0" algn="l">
               <a:lnSpc>
                 <a:spcPct val="135714"/>
               </a:lnSpc>
@@ -11408,24 +12116,37 @@
               <a:spcAft>
                 <a:spcPts val="0"/>
               </a:spcAft>
+              <a:buClr>
+                <a:srgbClr val="000000"/>
+              </a:buClr>
+              <a:buSzPts val="1600"/>
+              <a:buFont typeface="Arial"/>
               <a:buNone/>
             </a:pPr>
             <a:r>
-              <a:rPr b="1" lang="cs" sz="1600">
+              <a:rPr b="1" i="0" lang="cs" sz="1600" u="none" cap="none" strike="noStrike">
                 <a:solidFill>
                   <a:srgbClr val="188038"/>
                 </a:solidFill>
+                <a:latin typeface="Arial"/>
+                <a:ea typeface="Arial"/>
+                <a:cs typeface="Arial"/>
+                <a:sym typeface="Arial"/>
               </a:rPr>
               <a:t>            &lt;legend&gt;Личные данные&lt;/legend&gt;</a:t>
             </a:r>
-            <a:endParaRPr b="1" sz="1600">
+            <a:endParaRPr b="1" i="0" sz="1600" u="none" cap="none" strike="noStrike">
               <a:solidFill>
                 <a:srgbClr val="188038"/>
               </a:solidFill>
+              <a:latin typeface="Arial"/>
+              <a:ea typeface="Arial"/>
+              <a:cs typeface="Arial"/>
+              <a:sym typeface="Arial"/>
             </a:endParaRPr>
           </a:p>
           <a:p>
-            <a:pPr indent="0" lvl="0" marL="0" rtl="0" algn="l">
+            <a:pPr indent="0" lvl="0" marL="0" marR="0" rtl="0" algn="l">
               <a:lnSpc>
                 <a:spcPct val="135714"/>
               </a:lnSpc>
@@ -11435,24 +12156,37 @@
               <a:spcAft>
                 <a:spcPts val="0"/>
               </a:spcAft>
+              <a:buClr>
+                <a:srgbClr val="000000"/>
+              </a:buClr>
+              <a:buSzPts val="1600"/>
+              <a:buFont typeface="Arial"/>
               <a:buNone/>
             </a:pPr>
             <a:r>
-              <a:rPr b="1" lang="cs" sz="1600">
+              <a:rPr b="1" i="0" lang="cs" sz="1600" u="none" cap="none" strike="noStrike">
                 <a:solidFill>
                   <a:srgbClr val="188038"/>
                 </a:solidFill>
+                <a:latin typeface="Arial"/>
+                <a:ea typeface="Arial"/>
+                <a:cs typeface="Arial"/>
+                <a:sym typeface="Arial"/>
               </a:rPr>
               <a:t>           </a:t>
             </a:r>
-            <a:endParaRPr b="1" sz="1600">
+            <a:endParaRPr b="1" i="0" sz="1600" u="none" cap="none" strike="noStrike">
               <a:solidFill>
                 <a:srgbClr val="188038"/>
               </a:solidFill>
+              <a:latin typeface="Arial"/>
+              <a:ea typeface="Arial"/>
+              <a:cs typeface="Arial"/>
+              <a:sym typeface="Arial"/>
             </a:endParaRPr>
           </a:p>
           <a:p>
-            <a:pPr indent="0" lvl="0" marL="0" rtl="0" algn="l">
+            <a:pPr indent="0" lvl="0" marL="0" marR="0" rtl="0" algn="l">
               <a:lnSpc>
                 <a:spcPct val="135714"/>
               </a:lnSpc>
@@ -11462,24 +12196,37 @@
               <a:spcAft>
                 <a:spcPts val="0"/>
               </a:spcAft>
+              <a:buClr>
+                <a:srgbClr val="000000"/>
+              </a:buClr>
+              <a:buSzPts val="1600"/>
+              <a:buFont typeface="Arial"/>
               <a:buNone/>
             </a:pPr>
             <a:r>
-              <a:rPr b="1" lang="cs" sz="1600">
+              <a:rPr b="1" i="0" lang="cs" sz="1600" u="none" cap="none" strike="noStrike">
                 <a:solidFill>
                   <a:srgbClr val="188038"/>
                 </a:solidFill>
+                <a:latin typeface="Arial"/>
+                <a:ea typeface="Arial"/>
+                <a:cs typeface="Arial"/>
+                <a:sym typeface="Arial"/>
               </a:rPr>
               <a:t>            &lt;label for="name"&gt;Имя:&lt;/label&gt;</a:t>
             </a:r>
-            <a:endParaRPr b="1" sz="1600">
+            <a:endParaRPr b="1" i="0" sz="1600" u="none" cap="none" strike="noStrike">
               <a:solidFill>
                 <a:srgbClr val="188038"/>
               </a:solidFill>
+              <a:latin typeface="Arial"/>
+              <a:ea typeface="Arial"/>
+              <a:cs typeface="Arial"/>
+              <a:sym typeface="Arial"/>
             </a:endParaRPr>
           </a:p>
           <a:p>
-            <a:pPr indent="0" lvl="0" marL="0" rtl="0" algn="l">
+            <a:pPr indent="0" lvl="0" marL="0" marR="0" rtl="0" algn="l">
               <a:lnSpc>
                 <a:spcPct val="135714"/>
               </a:lnSpc>
@@ -11489,24 +12236,37 @@
               <a:spcAft>
                 <a:spcPts val="0"/>
               </a:spcAft>
+              <a:buClr>
+                <a:srgbClr val="000000"/>
+              </a:buClr>
+              <a:buSzPts val="1600"/>
+              <a:buFont typeface="Arial"/>
               <a:buNone/>
             </a:pPr>
             <a:r>
-              <a:rPr b="1" lang="cs" sz="1600">
+              <a:rPr b="1" i="0" lang="cs" sz="1600" u="none" cap="none" strike="noStrike">
                 <a:solidFill>
                   <a:srgbClr val="188038"/>
                 </a:solidFill>
+                <a:latin typeface="Arial"/>
+                <a:ea typeface="Arial"/>
+                <a:cs typeface="Arial"/>
+                <a:sym typeface="Arial"/>
               </a:rPr>
               <a:t>            &lt;input type="text" id="name" name="name"&gt;</a:t>
             </a:r>
-            <a:endParaRPr b="1" sz="1600">
+            <a:endParaRPr b="1" i="0" sz="1600" u="none" cap="none" strike="noStrike">
               <a:solidFill>
                 <a:srgbClr val="188038"/>
               </a:solidFill>
+              <a:latin typeface="Arial"/>
+              <a:ea typeface="Arial"/>
+              <a:cs typeface="Arial"/>
+              <a:sym typeface="Arial"/>
             </a:endParaRPr>
           </a:p>
           <a:p>
-            <a:pPr indent="0" lvl="0" marL="0" rtl="0" algn="l">
+            <a:pPr indent="0" lvl="0" marL="0" marR="0" rtl="0" algn="l">
               <a:lnSpc>
                 <a:spcPct val="135714"/>
               </a:lnSpc>
@@ -11516,24 +12276,37 @@
               <a:spcAft>
                 <a:spcPts val="0"/>
               </a:spcAft>
+              <a:buClr>
+                <a:srgbClr val="000000"/>
+              </a:buClr>
+              <a:buSzPts val="1600"/>
+              <a:buFont typeface="Arial"/>
               <a:buNone/>
             </a:pPr>
             <a:r>
-              <a:rPr b="1" lang="cs" sz="1600">
+              <a:rPr b="1" i="0" lang="cs" sz="1600" u="none" cap="none" strike="noStrike">
                 <a:solidFill>
                   <a:srgbClr val="188038"/>
                 </a:solidFill>
+                <a:latin typeface="Arial"/>
+                <a:ea typeface="Arial"/>
+                <a:cs typeface="Arial"/>
+                <a:sym typeface="Arial"/>
               </a:rPr>
               <a:t>           </a:t>
             </a:r>
-            <a:endParaRPr b="1" sz="1600">
+            <a:endParaRPr b="1" i="0" sz="1600" u="none" cap="none" strike="noStrike">
               <a:solidFill>
                 <a:srgbClr val="188038"/>
               </a:solidFill>
+              <a:latin typeface="Arial"/>
+              <a:ea typeface="Arial"/>
+              <a:cs typeface="Arial"/>
+              <a:sym typeface="Arial"/>
             </a:endParaRPr>
           </a:p>
           <a:p>
-            <a:pPr indent="0" lvl="0" marL="0" rtl="0" algn="l">
+            <a:pPr indent="0" lvl="0" marL="0" marR="0" rtl="0" algn="l">
               <a:lnSpc>
                 <a:spcPct val="135714"/>
               </a:lnSpc>
@@ -11543,24 +12316,37 @@
               <a:spcAft>
                 <a:spcPts val="0"/>
               </a:spcAft>
+              <a:buClr>
+                <a:srgbClr val="000000"/>
+              </a:buClr>
+              <a:buSzPts val="1600"/>
+              <a:buFont typeface="Arial"/>
               <a:buNone/>
             </a:pPr>
             <a:r>
-              <a:rPr b="1" lang="cs" sz="1600">
+              <a:rPr b="1" i="0" lang="cs" sz="1600" u="none" cap="none" strike="noStrike">
                 <a:solidFill>
                   <a:srgbClr val="188038"/>
                 </a:solidFill>
+                <a:latin typeface="Arial"/>
+                <a:ea typeface="Arial"/>
+                <a:cs typeface="Arial"/>
+                <a:sym typeface="Arial"/>
               </a:rPr>
               <a:t>            &lt;label for="email"&gt;Email:&lt;/label&gt;</a:t>
             </a:r>
-            <a:endParaRPr b="1" sz="1600">
+            <a:endParaRPr b="1" i="0" sz="1600" u="none" cap="none" strike="noStrike">
               <a:solidFill>
                 <a:srgbClr val="188038"/>
               </a:solidFill>
+              <a:latin typeface="Arial"/>
+              <a:ea typeface="Arial"/>
+              <a:cs typeface="Arial"/>
+              <a:sym typeface="Arial"/>
             </a:endParaRPr>
           </a:p>
           <a:p>
-            <a:pPr indent="0" lvl="0" marL="0" rtl="0" algn="l">
+            <a:pPr indent="0" lvl="0" marL="0" marR="0" rtl="0" algn="l">
               <a:lnSpc>
                 <a:spcPct val="135714"/>
               </a:lnSpc>
@@ -11570,24 +12356,37 @@
               <a:spcAft>
                 <a:spcPts val="0"/>
               </a:spcAft>
+              <a:buClr>
+                <a:srgbClr val="000000"/>
+              </a:buClr>
+              <a:buSzPts val="1600"/>
+              <a:buFont typeface="Arial"/>
               <a:buNone/>
             </a:pPr>
             <a:r>
-              <a:rPr b="1" lang="cs" sz="1600">
+              <a:rPr b="1" i="0" lang="cs" sz="1600" u="none" cap="none" strike="noStrike">
                 <a:solidFill>
                   <a:srgbClr val="188038"/>
                 </a:solidFill>
+                <a:latin typeface="Arial"/>
+                <a:ea typeface="Arial"/>
+                <a:cs typeface="Arial"/>
+                <a:sym typeface="Arial"/>
               </a:rPr>
               <a:t>            &lt;input type="email" id="email" name="email"&gt;</a:t>
             </a:r>
-            <a:endParaRPr b="1" sz="1600">
+            <a:endParaRPr b="1" i="0" sz="1600" u="none" cap="none" strike="noStrike">
               <a:solidFill>
                 <a:srgbClr val="188038"/>
               </a:solidFill>
+              <a:latin typeface="Arial"/>
+              <a:ea typeface="Arial"/>
+              <a:cs typeface="Arial"/>
+              <a:sym typeface="Arial"/>
             </a:endParaRPr>
           </a:p>
           <a:p>
-            <a:pPr indent="0" lvl="0" marL="0" rtl="0" algn="l">
+            <a:pPr indent="0" lvl="0" marL="0" marR="0" rtl="0" algn="l">
               <a:lnSpc>
                 <a:spcPct val="135714"/>
               </a:lnSpc>
@@ -11597,24 +12396,37 @@
               <a:spcAft>
                 <a:spcPts val="0"/>
               </a:spcAft>
+              <a:buClr>
+                <a:srgbClr val="000000"/>
+              </a:buClr>
+              <a:buSzPts val="1600"/>
+              <a:buFont typeface="Arial"/>
               <a:buNone/>
             </a:pPr>
             <a:r>
-              <a:rPr b="1" lang="cs" sz="1600">
+              <a:rPr b="1" i="0" lang="cs" sz="1600" u="none" cap="none" strike="noStrike">
                 <a:solidFill>
                   <a:srgbClr val="188038"/>
                 </a:solidFill>
+                <a:latin typeface="Arial"/>
+                <a:ea typeface="Arial"/>
+                <a:cs typeface="Arial"/>
+                <a:sym typeface="Arial"/>
               </a:rPr>
               <a:t>        &lt;/fieldset&gt;</a:t>
             </a:r>
-            <a:endParaRPr b="1" sz="1600">
+            <a:endParaRPr b="1" i="0" sz="1600" u="none" cap="none" strike="noStrike">
               <a:solidFill>
                 <a:srgbClr val="188038"/>
               </a:solidFill>
+              <a:latin typeface="Arial"/>
+              <a:ea typeface="Arial"/>
+              <a:cs typeface="Arial"/>
+              <a:sym typeface="Arial"/>
             </a:endParaRPr>
           </a:p>
           <a:p>
-            <a:pPr indent="0" lvl="0" marL="0" rtl="0" algn="l">
+            <a:pPr indent="0" lvl="0" marL="0" marR="0" rtl="0" algn="l">
               <a:lnSpc>
                 <a:spcPct val="135714"/>
               </a:lnSpc>
@@ -11624,20 +12436,33 @@
               <a:spcAft>
                 <a:spcPts val="0"/>
               </a:spcAft>
+              <a:buClr>
+                <a:srgbClr val="000000"/>
+              </a:buClr>
+              <a:buSzPts val="1600"/>
+              <a:buFont typeface="Arial"/>
               <a:buNone/>
             </a:pPr>
             <a:r>
-              <a:rPr b="1" lang="cs" sz="1600">
+              <a:rPr b="1" i="0" lang="cs" sz="1600" u="none" cap="none" strike="noStrike">
                 <a:solidFill>
                   <a:srgbClr val="188038"/>
                 </a:solidFill>
+                <a:latin typeface="Arial"/>
+                <a:ea typeface="Arial"/>
+                <a:cs typeface="Arial"/>
+                <a:sym typeface="Arial"/>
               </a:rPr>
               <a:t>&lt;form&gt;</a:t>
             </a:r>
-            <a:endParaRPr sz="1600">
+            <a:endParaRPr b="0" i="0" sz="1600" u="none" cap="none" strike="noStrike">
               <a:solidFill>
                 <a:srgbClr val="2B3990"/>
               </a:solidFill>
+              <a:latin typeface="Arial"/>
+              <a:ea typeface="Arial"/>
+              <a:cs typeface="Arial"/>
+              <a:sym typeface="Arial"/>
             </a:endParaRPr>
           </a:p>
         </p:txBody>
@@ -11691,13 +12516,12 @@
           <p:cNvPicPr preferRelativeResize="0"/>
           <p:nvPr/>
         </p:nvPicPr>
-        <p:blipFill>
+        <p:blipFill rotWithShape="1">
           <a:blip r:embed="rId3">
             <a:alphaModFix/>
           </a:blip>
-          <a:stretch>
-            <a:fillRect/>
-          </a:stretch>
+          <a:srcRect b="0" l="0" r="0" t="0"/>
+          <a:stretch/>
         </p:blipFill>
         <p:spPr>
           <a:xfrm>
